--- a/SDD 관련 자료/작업 결과물/프로그램 구조도(트랜스폼, 트랜젝션)/강의평가 수행.pptx
+++ b/SDD 관련 자료/작업 결과물/프로그램 구조도(트랜스폼, 트랜젝션)/강의평가 수행.pptx
@@ -4015,6 +4015,916 @@
           </a:fontRef>
         </p:style>
       </p:cxnSp>
+      <p:grpSp>
+        <p:nvGrpSpPr>
+          <p:cNvPr id="21" name="그룹 20"/>
+          <p:cNvGrpSpPr/>
+          <p:nvPr/>
+        </p:nvGrpSpPr>
+        <p:grpSpPr>
+          <a:xfrm rot="15224143">
+            <a:off x="18346991" y="17718612"/>
+            <a:ext cx="620391" cy="573119"/>
+            <a:chOff x="5764817" y="2081712"/>
+            <a:chExt cx="465295" cy="429840"/>
+          </a:xfrm>
+        </p:grpSpPr>
+        <p:sp>
+          <p:nvSpPr>
+            <p:cNvPr id="22" name="타원 21"/>
+            <p:cNvSpPr/>
+            <p:nvPr/>
+          </p:nvSpPr>
+          <p:spPr>
+            <a:xfrm>
+              <a:off x="5764817" y="2081712"/>
+              <a:ext cx="254984" cy="254984"/>
+            </a:xfrm>
+            <a:prstGeom prst="ellipse">
+              <a:avLst/>
+            </a:prstGeom>
+            <a:noFill/>
+            <a:ln w="38100">
+              <a:solidFill>
+                <a:schemeClr val="accent1"/>
+              </a:solidFill>
+            </a:ln>
+          </p:spPr>
+          <p:style>
+            <a:lnRef idx="2">
+              <a:schemeClr val="accent1">
+                <a:shade val="50000"/>
+              </a:schemeClr>
+            </a:lnRef>
+            <a:fillRef idx="1">
+              <a:schemeClr val="accent1"/>
+            </a:fillRef>
+            <a:effectRef idx="0">
+              <a:schemeClr val="accent1"/>
+            </a:effectRef>
+            <a:fontRef idx="minor">
+              <a:schemeClr val="lt1"/>
+            </a:fontRef>
+          </p:style>
+          <p:txBody>
+            <a:bodyPr rtlCol="0" anchor="ctr"/>
+            <a:lstStyle/>
+            <a:p>
+              <a:pPr algn="ctr"/>
+              <a:endParaRPr lang="ko-KR" altLang="en-US" sz="700"/>
+            </a:p>
+          </p:txBody>
+        </p:sp>
+        <p:cxnSp>
+          <p:nvCxnSpPr>
+            <p:cNvPr id="23" name="직선 연결선 22"/>
+            <p:cNvCxnSpPr>
+              <a:endCxn id="22" idx="5"/>
+            </p:cNvCxnSpPr>
+            <p:nvPr/>
+          </p:nvCxnSpPr>
+          <p:spPr>
+            <a:xfrm flipH="1" flipV="1">
+              <a:off x="5982459" y="2299354"/>
+              <a:ext cx="247653" cy="212198"/>
+            </a:xfrm>
+            <a:prstGeom prst="line">
+              <a:avLst/>
+            </a:prstGeom>
+            <a:ln w="38100">
+              <a:headEnd type="stealth" w="lg" len="lg"/>
+            </a:ln>
+          </p:spPr>
+          <p:style>
+            <a:lnRef idx="1">
+              <a:schemeClr val="accent1"/>
+            </a:lnRef>
+            <a:fillRef idx="0">
+              <a:schemeClr val="accent1"/>
+            </a:fillRef>
+            <a:effectRef idx="0">
+              <a:schemeClr val="accent1"/>
+            </a:effectRef>
+            <a:fontRef idx="minor">
+              <a:schemeClr val="tx1"/>
+            </a:fontRef>
+          </p:style>
+        </p:cxnSp>
+      </p:grpSp>
+      <p:grpSp>
+        <p:nvGrpSpPr>
+          <p:cNvPr id="24" name="그룹 23"/>
+          <p:cNvGrpSpPr/>
+          <p:nvPr/>
+        </p:nvGrpSpPr>
+        <p:grpSpPr>
+          <a:xfrm rot="14803764">
+            <a:off x="22824346" y="17535579"/>
+            <a:ext cx="620391" cy="573119"/>
+            <a:chOff x="5764817" y="2081712"/>
+            <a:chExt cx="465295" cy="429840"/>
+          </a:xfrm>
+        </p:grpSpPr>
+        <p:sp>
+          <p:nvSpPr>
+            <p:cNvPr id="25" name="타원 24"/>
+            <p:cNvSpPr/>
+            <p:nvPr/>
+          </p:nvSpPr>
+          <p:spPr>
+            <a:xfrm>
+              <a:off x="5764817" y="2081712"/>
+              <a:ext cx="254984" cy="254984"/>
+            </a:xfrm>
+            <a:prstGeom prst="ellipse">
+              <a:avLst/>
+            </a:prstGeom>
+            <a:noFill/>
+            <a:ln w="38100">
+              <a:solidFill>
+                <a:schemeClr val="accent1"/>
+              </a:solidFill>
+            </a:ln>
+          </p:spPr>
+          <p:style>
+            <a:lnRef idx="2">
+              <a:schemeClr val="accent1">
+                <a:shade val="50000"/>
+              </a:schemeClr>
+            </a:lnRef>
+            <a:fillRef idx="1">
+              <a:schemeClr val="accent1"/>
+            </a:fillRef>
+            <a:effectRef idx="0">
+              <a:schemeClr val="accent1"/>
+            </a:effectRef>
+            <a:fontRef idx="minor">
+              <a:schemeClr val="lt1"/>
+            </a:fontRef>
+          </p:style>
+          <p:txBody>
+            <a:bodyPr rtlCol="0" anchor="ctr"/>
+            <a:lstStyle/>
+            <a:p>
+              <a:pPr algn="ctr"/>
+              <a:endParaRPr lang="ko-KR" altLang="en-US" sz="700"/>
+            </a:p>
+          </p:txBody>
+        </p:sp>
+        <p:cxnSp>
+          <p:nvCxnSpPr>
+            <p:cNvPr id="26" name="직선 연결선 25"/>
+            <p:cNvCxnSpPr>
+              <a:endCxn id="25" idx="5"/>
+            </p:cNvCxnSpPr>
+            <p:nvPr/>
+          </p:nvCxnSpPr>
+          <p:spPr>
+            <a:xfrm flipH="1" flipV="1">
+              <a:off x="5982459" y="2299354"/>
+              <a:ext cx="247653" cy="212198"/>
+            </a:xfrm>
+            <a:prstGeom prst="line">
+              <a:avLst/>
+            </a:prstGeom>
+            <a:ln w="38100">
+              <a:headEnd type="stealth" w="lg" len="lg"/>
+            </a:ln>
+          </p:spPr>
+          <p:style>
+            <a:lnRef idx="1">
+              <a:schemeClr val="accent1"/>
+            </a:lnRef>
+            <a:fillRef idx="0">
+              <a:schemeClr val="accent1"/>
+            </a:fillRef>
+            <a:effectRef idx="0">
+              <a:schemeClr val="accent1"/>
+            </a:effectRef>
+            <a:fontRef idx="minor">
+              <a:schemeClr val="tx1"/>
+            </a:fontRef>
+          </p:style>
+        </p:cxnSp>
+      </p:grpSp>
+      <p:grpSp>
+        <p:nvGrpSpPr>
+          <p:cNvPr id="27" name="그룹 26"/>
+          <p:cNvGrpSpPr/>
+          <p:nvPr/>
+        </p:nvGrpSpPr>
+        <p:grpSpPr>
+          <a:xfrm rot="12460804">
+            <a:off x="25145432" y="17557632"/>
+            <a:ext cx="620391" cy="573119"/>
+            <a:chOff x="5764817" y="2081712"/>
+            <a:chExt cx="465295" cy="429840"/>
+          </a:xfrm>
+        </p:grpSpPr>
+        <p:sp>
+          <p:nvSpPr>
+            <p:cNvPr id="28" name="타원 27"/>
+            <p:cNvSpPr/>
+            <p:nvPr/>
+          </p:nvSpPr>
+          <p:spPr>
+            <a:xfrm>
+              <a:off x="5764817" y="2081712"/>
+              <a:ext cx="254984" cy="254984"/>
+            </a:xfrm>
+            <a:prstGeom prst="ellipse">
+              <a:avLst/>
+            </a:prstGeom>
+            <a:noFill/>
+            <a:ln w="38100">
+              <a:solidFill>
+                <a:schemeClr val="accent1"/>
+              </a:solidFill>
+            </a:ln>
+          </p:spPr>
+          <p:style>
+            <a:lnRef idx="2">
+              <a:schemeClr val="accent1">
+                <a:shade val="50000"/>
+              </a:schemeClr>
+            </a:lnRef>
+            <a:fillRef idx="1">
+              <a:schemeClr val="accent1"/>
+            </a:fillRef>
+            <a:effectRef idx="0">
+              <a:schemeClr val="accent1"/>
+            </a:effectRef>
+            <a:fontRef idx="minor">
+              <a:schemeClr val="lt1"/>
+            </a:fontRef>
+          </p:style>
+          <p:txBody>
+            <a:bodyPr rtlCol="0" anchor="ctr"/>
+            <a:lstStyle/>
+            <a:p>
+              <a:pPr algn="ctr"/>
+              <a:endParaRPr lang="ko-KR" altLang="en-US" sz="700"/>
+            </a:p>
+          </p:txBody>
+        </p:sp>
+        <p:cxnSp>
+          <p:nvCxnSpPr>
+            <p:cNvPr id="30" name="직선 연결선 29"/>
+            <p:cNvCxnSpPr>
+              <a:endCxn id="28" idx="5"/>
+            </p:cNvCxnSpPr>
+            <p:nvPr/>
+          </p:nvCxnSpPr>
+          <p:spPr>
+            <a:xfrm flipH="1" flipV="1">
+              <a:off x="5982459" y="2299354"/>
+              <a:ext cx="247653" cy="212198"/>
+            </a:xfrm>
+            <a:prstGeom prst="line">
+              <a:avLst/>
+            </a:prstGeom>
+            <a:ln w="38100">
+              <a:headEnd type="stealth" w="lg" len="lg"/>
+            </a:ln>
+          </p:spPr>
+          <p:style>
+            <a:lnRef idx="1">
+              <a:schemeClr val="accent1"/>
+            </a:lnRef>
+            <a:fillRef idx="0">
+              <a:schemeClr val="accent1"/>
+            </a:fillRef>
+            <a:effectRef idx="0">
+              <a:schemeClr val="accent1"/>
+            </a:effectRef>
+            <a:fontRef idx="minor">
+              <a:schemeClr val="tx1"/>
+            </a:fontRef>
+          </p:style>
+        </p:cxnSp>
+      </p:grpSp>
+      <p:sp>
+        <p:nvSpPr>
+          <p:cNvPr id="31" name="TextBox 30"/>
+          <p:cNvSpPr txBox="1"/>
+          <p:nvPr/>
+        </p:nvSpPr>
+        <p:spPr>
+          <a:xfrm rot="4010996">
+            <a:off x="24751260" y="17454369"/>
+            <a:ext cx="1973617" cy="318421"/>
+          </a:xfrm>
+          <a:prstGeom prst="rect">
+            <a:avLst/>
+          </a:prstGeom>
+          <a:noFill/>
+        </p:spPr>
+        <p:txBody>
+          <a:bodyPr wrap="none" rtlCol="0">
+            <a:spAutoFit/>
+          </a:bodyPr>
+          <a:lstStyle/>
+          <a:p>
+            <a:r>
+              <a:rPr lang="ko-KR" altLang="en-US" sz="1469" dirty="0"/>
+              <a:t>등록된 강의평가 결과</a:t>
+            </a:r>
+            <a:endParaRPr lang="ko-KR" altLang="en-US" sz="2135" dirty="0"/>
+          </a:p>
+        </p:txBody>
+      </p:sp>
+      <p:sp>
+        <p:nvSpPr>
+          <p:cNvPr id="32" name="TextBox 31"/>
+          <p:cNvSpPr txBox="1"/>
+          <p:nvPr/>
+        </p:nvSpPr>
+        <p:spPr>
+          <a:xfrm rot="19076103">
+            <a:off x="15944713" y="17400633"/>
+            <a:ext cx="1973617" cy="318421"/>
+          </a:xfrm>
+          <a:prstGeom prst="rect">
+            <a:avLst/>
+          </a:prstGeom>
+          <a:noFill/>
+        </p:spPr>
+        <p:txBody>
+          <a:bodyPr wrap="none" rtlCol="0">
+            <a:spAutoFit/>
+          </a:bodyPr>
+          <a:lstStyle/>
+          <a:p>
+            <a:pPr algn="ctr"/>
+            <a:r>
+              <a:rPr lang="ko-KR" altLang="en-US" sz="1469" dirty="0"/>
+              <a:t>강의평가 질문 리스트</a:t>
+            </a:r>
+            <a:endParaRPr lang="ko-KR" altLang="en-US" sz="2135" dirty="0"/>
+          </a:p>
+        </p:txBody>
+      </p:sp>
+      <p:grpSp>
+        <p:nvGrpSpPr>
+          <p:cNvPr id="33" name="그룹 32"/>
+          <p:cNvGrpSpPr/>
+          <p:nvPr/>
+        </p:nvGrpSpPr>
+        <p:grpSpPr>
+          <a:xfrm rot="16580021">
+            <a:off x="16870725" y="17529212"/>
+            <a:ext cx="620391" cy="573119"/>
+            <a:chOff x="5764817" y="2081712"/>
+            <a:chExt cx="465295" cy="429840"/>
+          </a:xfrm>
+        </p:grpSpPr>
+        <p:sp>
+          <p:nvSpPr>
+            <p:cNvPr id="34" name="타원 33"/>
+            <p:cNvSpPr/>
+            <p:nvPr/>
+          </p:nvSpPr>
+          <p:spPr>
+            <a:xfrm>
+              <a:off x="5764817" y="2081712"/>
+              <a:ext cx="254984" cy="254984"/>
+            </a:xfrm>
+            <a:prstGeom prst="ellipse">
+              <a:avLst/>
+            </a:prstGeom>
+            <a:noFill/>
+            <a:ln w="38100">
+              <a:solidFill>
+                <a:schemeClr val="accent1"/>
+              </a:solidFill>
+            </a:ln>
+          </p:spPr>
+          <p:style>
+            <a:lnRef idx="2">
+              <a:schemeClr val="accent1">
+                <a:shade val="50000"/>
+              </a:schemeClr>
+            </a:lnRef>
+            <a:fillRef idx="1">
+              <a:schemeClr val="accent1"/>
+            </a:fillRef>
+            <a:effectRef idx="0">
+              <a:schemeClr val="accent1"/>
+            </a:effectRef>
+            <a:fontRef idx="minor">
+              <a:schemeClr val="lt1"/>
+            </a:fontRef>
+          </p:style>
+          <p:txBody>
+            <a:bodyPr rtlCol="0" anchor="ctr"/>
+            <a:lstStyle/>
+            <a:p>
+              <a:pPr algn="ctr"/>
+              <a:endParaRPr lang="ko-KR" altLang="en-US" sz="700"/>
+            </a:p>
+          </p:txBody>
+        </p:sp>
+        <p:cxnSp>
+          <p:nvCxnSpPr>
+            <p:cNvPr id="35" name="직선 연결선 34"/>
+            <p:cNvCxnSpPr>
+              <a:endCxn id="34" idx="5"/>
+            </p:cNvCxnSpPr>
+            <p:nvPr/>
+          </p:nvCxnSpPr>
+          <p:spPr>
+            <a:xfrm flipH="1" flipV="1">
+              <a:off x="5982459" y="2299354"/>
+              <a:ext cx="247653" cy="212198"/>
+            </a:xfrm>
+            <a:prstGeom prst="line">
+              <a:avLst/>
+            </a:prstGeom>
+            <a:ln w="38100">
+              <a:headEnd type="stealth" w="lg" len="lg"/>
+            </a:ln>
+          </p:spPr>
+          <p:style>
+            <a:lnRef idx="1">
+              <a:schemeClr val="accent1"/>
+            </a:lnRef>
+            <a:fillRef idx="0">
+              <a:schemeClr val="accent1"/>
+            </a:fillRef>
+            <a:effectRef idx="0">
+              <a:schemeClr val="accent1"/>
+            </a:effectRef>
+            <a:fontRef idx="minor">
+              <a:schemeClr val="tx1"/>
+            </a:fontRef>
+          </p:style>
+        </p:cxnSp>
+      </p:grpSp>
+      <p:sp>
+        <p:nvSpPr>
+          <p:cNvPr id="36" name="TextBox 35"/>
+          <p:cNvSpPr txBox="1"/>
+          <p:nvPr/>
+        </p:nvSpPr>
+        <p:spPr>
+          <a:xfrm rot="17835654">
+            <a:off x="17671200" y="17524232"/>
+            <a:ext cx="1362873" cy="544508"/>
+          </a:xfrm>
+          <a:prstGeom prst="rect">
+            <a:avLst/>
+          </a:prstGeom>
+          <a:noFill/>
+        </p:spPr>
+        <p:txBody>
+          <a:bodyPr wrap="none" rtlCol="0">
+            <a:spAutoFit/>
+          </a:bodyPr>
+          <a:lstStyle/>
+          <a:p>
+            <a:pPr algn="ctr"/>
+            <a:r>
+              <a:rPr lang="ko-KR" altLang="en-US" sz="1469" dirty="0"/>
+              <a:t>강의평가 대상</a:t>
+            </a:r>
+            <a:endParaRPr lang="en-US" altLang="ko-KR" sz="1469" dirty="0"/>
+          </a:p>
+          <a:p>
+            <a:pPr algn="ctr"/>
+            <a:r>
+              <a:rPr lang="ko-KR" altLang="en-US" sz="1469" dirty="0"/>
+              <a:t>입력 정보</a:t>
+            </a:r>
+            <a:endParaRPr lang="ko-KR" altLang="en-US" sz="2135" dirty="0"/>
+          </a:p>
+        </p:txBody>
+      </p:sp>
+      <p:sp>
+        <p:nvSpPr>
+          <p:cNvPr id="37" name="TextBox 36"/>
+          <p:cNvSpPr txBox="1"/>
+          <p:nvPr/>
+        </p:nvSpPr>
+        <p:spPr>
+          <a:xfrm rot="17677972">
+            <a:off x="21941039" y="17423263"/>
+            <a:ext cx="1552027" cy="544508"/>
+          </a:xfrm>
+          <a:prstGeom prst="rect">
+            <a:avLst/>
+          </a:prstGeom>
+          <a:noFill/>
+        </p:spPr>
+        <p:txBody>
+          <a:bodyPr wrap="none" rtlCol="0">
+            <a:spAutoFit/>
+          </a:bodyPr>
+          <a:lstStyle/>
+          <a:p>
+            <a:pPr algn="ctr"/>
+            <a:r>
+              <a:rPr lang="ko-KR" altLang="en-US" sz="1469" dirty="0"/>
+              <a:t>구성된 </a:t>
+            </a:r>
+            <a:endParaRPr lang="en-US" altLang="ko-KR" sz="1469" dirty="0"/>
+          </a:p>
+          <a:p>
+            <a:pPr algn="ctr"/>
+            <a:r>
+              <a:rPr lang="ko-KR" altLang="en-US" sz="1469" dirty="0"/>
+              <a:t>강의평가 질문지</a:t>
+            </a:r>
+            <a:endParaRPr lang="ko-KR" altLang="en-US" sz="2135" dirty="0"/>
+          </a:p>
+        </p:txBody>
+      </p:sp>
+      <p:grpSp>
+        <p:nvGrpSpPr>
+          <p:cNvPr id="38" name="그룹 37"/>
+          <p:cNvGrpSpPr/>
+          <p:nvPr/>
+        </p:nvGrpSpPr>
+        <p:grpSpPr>
+          <a:xfrm rot="1552488">
+            <a:off x="24652008" y="17580710"/>
+            <a:ext cx="620391" cy="573119"/>
+            <a:chOff x="5764817" y="2081712"/>
+            <a:chExt cx="465295" cy="429840"/>
+          </a:xfrm>
+        </p:grpSpPr>
+        <p:sp>
+          <p:nvSpPr>
+            <p:cNvPr id="39" name="타원 38"/>
+            <p:cNvSpPr/>
+            <p:nvPr/>
+          </p:nvSpPr>
+          <p:spPr>
+            <a:xfrm>
+              <a:off x="5764817" y="2081712"/>
+              <a:ext cx="254984" cy="254984"/>
+            </a:xfrm>
+            <a:prstGeom prst="ellipse">
+              <a:avLst/>
+            </a:prstGeom>
+            <a:noFill/>
+            <a:ln w="38100">
+              <a:solidFill>
+                <a:schemeClr val="accent1"/>
+              </a:solidFill>
+            </a:ln>
+          </p:spPr>
+          <p:style>
+            <a:lnRef idx="2">
+              <a:schemeClr val="accent1">
+                <a:shade val="50000"/>
+              </a:schemeClr>
+            </a:lnRef>
+            <a:fillRef idx="1">
+              <a:schemeClr val="accent1"/>
+            </a:fillRef>
+            <a:effectRef idx="0">
+              <a:schemeClr val="accent1"/>
+            </a:effectRef>
+            <a:fontRef idx="minor">
+              <a:schemeClr val="lt1"/>
+            </a:fontRef>
+          </p:style>
+          <p:txBody>
+            <a:bodyPr rtlCol="0" anchor="ctr"/>
+            <a:lstStyle/>
+            <a:p>
+              <a:pPr algn="ctr"/>
+              <a:endParaRPr lang="ko-KR" altLang="en-US" sz="700"/>
+            </a:p>
+          </p:txBody>
+        </p:sp>
+        <p:cxnSp>
+          <p:nvCxnSpPr>
+            <p:cNvPr id="40" name="직선 연결선 39"/>
+            <p:cNvCxnSpPr>
+              <a:endCxn id="39" idx="5"/>
+            </p:cNvCxnSpPr>
+            <p:nvPr/>
+          </p:nvCxnSpPr>
+          <p:spPr>
+            <a:xfrm flipH="1" flipV="1">
+              <a:off x="5982459" y="2299354"/>
+              <a:ext cx="247653" cy="212198"/>
+            </a:xfrm>
+            <a:prstGeom prst="line">
+              <a:avLst/>
+            </a:prstGeom>
+            <a:ln w="38100">
+              <a:headEnd type="stealth" w="lg" len="lg"/>
+            </a:ln>
+          </p:spPr>
+          <p:style>
+            <a:lnRef idx="1">
+              <a:schemeClr val="accent1"/>
+            </a:lnRef>
+            <a:fillRef idx="0">
+              <a:schemeClr val="accent1"/>
+            </a:fillRef>
+            <a:effectRef idx="0">
+              <a:schemeClr val="accent1"/>
+            </a:effectRef>
+            <a:fontRef idx="minor">
+              <a:schemeClr val="tx1"/>
+            </a:fontRef>
+          </p:style>
+        </p:cxnSp>
+      </p:grpSp>
+      <p:sp>
+        <p:nvSpPr>
+          <p:cNvPr id="41" name="TextBox 40"/>
+          <p:cNvSpPr txBox="1"/>
+          <p:nvPr/>
+        </p:nvSpPr>
+        <p:spPr>
+          <a:xfrm rot="4447922">
+            <a:off x="23914679" y="17810123"/>
+            <a:ext cx="1362873" cy="544508"/>
+          </a:xfrm>
+          <a:prstGeom prst="rect">
+            <a:avLst/>
+          </a:prstGeom>
+          <a:noFill/>
+        </p:spPr>
+        <p:txBody>
+          <a:bodyPr wrap="none" rtlCol="0">
+            <a:spAutoFit/>
+          </a:bodyPr>
+          <a:lstStyle/>
+          <a:p>
+            <a:pPr algn="ctr"/>
+            <a:r>
+              <a:rPr lang="ko-KR" altLang="en-US" sz="1469" dirty="0"/>
+              <a:t>등록할</a:t>
+            </a:r>
+            <a:endParaRPr lang="en-US" altLang="ko-KR" sz="1469" dirty="0"/>
+          </a:p>
+          <a:p>
+            <a:pPr algn="ctr"/>
+            <a:r>
+              <a:rPr lang="ko-KR" altLang="en-US" sz="1469" dirty="0"/>
+              <a:t>강의평가 결과</a:t>
+            </a:r>
+            <a:endParaRPr lang="ko-KR" altLang="en-US" sz="2135" dirty="0"/>
+          </a:p>
+        </p:txBody>
+      </p:sp>
+      <p:sp>
+        <p:nvSpPr>
+          <p:cNvPr id="42" name="TextBox 41"/>
+          <p:cNvSpPr txBox="1"/>
+          <p:nvPr/>
+        </p:nvSpPr>
+        <p:spPr>
+          <a:xfrm rot="4464574">
+            <a:off x="18736156" y="17819144"/>
+            <a:ext cx="1973617" cy="318421"/>
+          </a:xfrm>
+          <a:prstGeom prst="rect">
+            <a:avLst/>
+          </a:prstGeom>
+          <a:noFill/>
+        </p:spPr>
+        <p:txBody>
+          <a:bodyPr wrap="none" rtlCol="0">
+            <a:spAutoFit/>
+          </a:bodyPr>
+          <a:lstStyle/>
+          <a:p>
+            <a:r>
+              <a:rPr lang="ko-KR" altLang="en-US" sz="1469" dirty="0"/>
+              <a:t>등록할 강의평가 결과</a:t>
+            </a:r>
+            <a:endParaRPr lang="ko-KR" altLang="en-US" sz="2135" dirty="0"/>
+          </a:p>
+        </p:txBody>
+      </p:sp>
+      <p:grpSp>
+        <p:nvGrpSpPr>
+          <p:cNvPr id="46" name="그룹 45"/>
+          <p:cNvGrpSpPr/>
+          <p:nvPr/>
+        </p:nvGrpSpPr>
+        <p:grpSpPr>
+          <a:xfrm rot="12431207">
+            <a:off x="19738184" y="17521166"/>
+            <a:ext cx="620391" cy="573119"/>
+            <a:chOff x="5764817" y="2081712"/>
+            <a:chExt cx="465295" cy="429840"/>
+          </a:xfrm>
+        </p:grpSpPr>
+        <p:sp>
+          <p:nvSpPr>
+            <p:cNvPr id="47" name="타원 46"/>
+            <p:cNvSpPr/>
+            <p:nvPr/>
+          </p:nvSpPr>
+          <p:spPr>
+            <a:xfrm>
+              <a:off x="5764817" y="2081712"/>
+              <a:ext cx="254984" cy="254984"/>
+            </a:xfrm>
+            <a:prstGeom prst="ellipse">
+              <a:avLst/>
+            </a:prstGeom>
+            <a:noFill/>
+            <a:ln w="38100">
+              <a:solidFill>
+                <a:schemeClr val="accent1"/>
+              </a:solidFill>
+            </a:ln>
+          </p:spPr>
+          <p:style>
+            <a:lnRef idx="2">
+              <a:schemeClr val="accent1">
+                <a:shade val="50000"/>
+              </a:schemeClr>
+            </a:lnRef>
+            <a:fillRef idx="1">
+              <a:schemeClr val="accent1"/>
+            </a:fillRef>
+            <a:effectRef idx="0">
+              <a:schemeClr val="accent1"/>
+            </a:effectRef>
+            <a:fontRef idx="minor">
+              <a:schemeClr val="lt1"/>
+            </a:fontRef>
+          </p:style>
+          <p:txBody>
+            <a:bodyPr rtlCol="0" anchor="ctr"/>
+            <a:lstStyle/>
+            <a:p>
+              <a:pPr algn="ctr"/>
+              <a:endParaRPr lang="ko-KR" altLang="en-US" sz="700"/>
+            </a:p>
+          </p:txBody>
+        </p:sp>
+        <p:cxnSp>
+          <p:nvCxnSpPr>
+            <p:cNvPr id="48" name="직선 연결선 47"/>
+            <p:cNvCxnSpPr>
+              <a:endCxn id="47" idx="5"/>
+            </p:cNvCxnSpPr>
+            <p:nvPr/>
+          </p:nvCxnSpPr>
+          <p:spPr>
+            <a:xfrm flipH="1" flipV="1">
+              <a:off x="5982459" y="2299354"/>
+              <a:ext cx="247653" cy="212198"/>
+            </a:xfrm>
+            <a:prstGeom prst="line">
+              <a:avLst/>
+            </a:prstGeom>
+            <a:ln w="38100">
+              <a:headEnd type="stealth" w="lg" len="lg"/>
+            </a:ln>
+          </p:spPr>
+          <p:style>
+            <a:lnRef idx="1">
+              <a:schemeClr val="accent1"/>
+            </a:lnRef>
+            <a:fillRef idx="0">
+              <a:schemeClr val="accent1"/>
+            </a:fillRef>
+            <a:effectRef idx="0">
+              <a:schemeClr val="accent1"/>
+            </a:effectRef>
+            <a:fontRef idx="minor">
+              <a:schemeClr val="tx1"/>
+            </a:fontRef>
+          </p:style>
+        </p:cxnSp>
+      </p:grpSp>
+      <p:grpSp>
+        <p:nvGrpSpPr>
+          <p:cNvPr id="49" name="그룹 48"/>
+          <p:cNvGrpSpPr/>
+          <p:nvPr/>
+        </p:nvGrpSpPr>
+        <p:grpSpPr>
+          <a:xfrm rot="2058776">
+            <a:off x="27881916" y="17527078"/>
+            <a:ext cx="620391" cy="573119"/>
+            <a:chOff x="5764817" y="2081712"/>
+            <a:chExt cx="465295" cy="429840"/>
+          </a:xfrm>
+        </p:grpSpPr>
+        <p:sp>
+          <p:nvSpPr>
+            <p:cNvPr id="51" name="타원 50"/>
+            <p:cNvSpPr/>
+            <p:nvPr/>
+          </p:nvSpPr>
+          <p:spPr>
+            <a:xfrm>
+              <a:off x="5764817" y="2081712"/>
+              <a:ext cx="254984" cy="254984"/>
+            </a:xfrm>
+            <a:prstGeom prst="ellipse">
+              <a:avLst/>
+            </a:prstGeom>
+            <a:noFill/>
+            <a:ln w="38100">
+              <a:solidFill>
+                <a:schemeClr val="accent1"/>
+              </a:solidFill>
+            </a:ln>
+          </p:spPr>
+          <p:style>
+            <a:lnRef idx="2">
+              <a:schemeClr val="accent1">
+                <a:shade val="50000"/>
+              </a:schemeClr>
+            </a:lnRef>
+            <a:fillRef idx="1">
+              <a:schemeClr val="accent1"/>
+            </a:fillRef>
+            <a:effectRef idx="0">
+              <a:schemeClr val="accent1"/>
+            </a:effectRef>
+            <a:fontRef idx="minor">
+              <a:schemeClr val="lt1"/>
+            </a:fontRef>
+          </p:style>
+          <p:txBody>
+            <a:bodyPr rtlCol="0" anchor="ctr"/>
+            <a:lstStyle/>
+            <a:p>
+              <a:pPr algn="ctr"/>
+              <a:endParaRPr lang="ko-KR" altLang="en-US" sz="700"/>
+            </a:p>
+          </p:txBody>
+        </p:sp>
+        <p:cxnSp>
+          <p:nvCxnSpPr>
+            <p:cNvPr id="52" name="직선 연결선 51"/>
+            <p:cNvCxnSpPr>
+              <a:endCxn id="51" idx="5"/>
+            </p:cNvCxnSpPr>
+            <p:nvPr/>
+          </p:nvCxnSpPr>
+          <p:spPr>
+            <a:xfrm flipH="1" flipV="1">
+              <a:off x="5982459" y="2299354"/>
+              <a:ext cx="247653" cy="212198"/>
+            </a:xfrm>
+            <a:prstGeom prst="line">
+              <a:avLst/>
+            </a:prstGeom>
+            <a:ln w="38100">
+              <a:headEnd type="stealth" w="lg" len="lg"/>
+            </a:ln>
+          </p:spPr>
+          <p:style>
+            <a:lnRef idx="1">
+              <a:schemeClr val="accent1"/>
+            </a:lnRef>
+            <a:fillRef idx="0">
+              <a:schemeClr val="accent1"/>
+            </a:fillRef>
+            <a:effectRef idx="0">
+              <a:schemeClr val="accent1"/>
+            </a:effectRef>
+            <a:fontRef idx="minor">
+              <a:schemeClr val="tx1"/>
+            </a:fontRef>
+          </p:style>
+        </p:cxnSp>
+      </p:grpSp>
+      <p:sp>
+        <p:nvSpPr>
+          <p:cNvPr id="53" name="TextBox 52"/>
+          <p:cNvSpPr txBox="1"/>
+          <p:nvPr/>
+        </p:nvSpPr>
+        <p:spPr>
+          <a:xfrm rot="4458128">
+            <a:off x="27577297" y="17553486"/>
+            <a:ext cx="1973617" cy="318421"/>
+          </a:xfrm>
+          <a:prstGeom prst="rect">
+            <a:avLst/>
+          </a:prstGeom>
+          <a:noFill/>
+        </p:spPr>
+        <p:txBody>
+          <a:bodyPr wrap="none" rtlCol="0">
+            <a:spAutoFit/>
+          </a:bodyPr>
+          <a:lstStyle/>
+          <a:p>
+            <a:r>
+              <a:rPr lang="ko-KR" altLang="en-US" sz="1469" dirty="0"/>
+              <a:t>등록된 강의평가 결과</a:t>
+            </a:r>
+            <a:endParaRPr lang="ko-KR" altLang="en-US" sz="2135" dirty="0"/>
+          </a:p>
+        </p:txBody>
+      </p:sp>
     </p:spTree>
     <p:extLst>
       <p:ext uri="{BB962C8B-B14F-4D97-AF65-F5344CB8AC3E}">

--- a/SDD 관련 자료/작업 결과물/프로그램 구조도(트랜스폼, 트랜젝션)/강의평가 수행.pptx
+++ b/SDD 관련 자료/작업 결과물/프로그램 구조도(트랜스폼, 트랜젝션)/강의평가 수행.pptx
@@ -3138,15 +3138,14 @@
         <p:nvCxnSpPr>
           <p:cNvPr id="7" name="직선 화살표 연결선 6"/>
           <p:cNvCxnSpPr>
-            <a:stCxn id="59" idx="2"/>
             <a:endCxn id="66" idx="0"/>
           </p:cNvCxnSpPr>
           <p:nvPr/>
         </p:nvCxnSpPr>
         <p:spPr>
           <a:xfrm>
-            <a:off x="27549154" y="16593906"/>
-            <a:ext cx="674001" cy="2487462"/>
+            <a:off x="25114056" y="16622754"/>
+            <a:ext cx="3109099" cy="2458614"/>
           </a:xfrm>
           <a:prstGeom prst="straightConnector1">
             <a:avLst/>
@@ -3668,13 +3667,13 @@
       </p:cxnSp>
       <p:sp>
         <p:nvSpPr>
-          <p:cNvPr id="59" name="직사각형 58"/>
+          <p:cNvPr id="66" name="직사각형 65"/>
           <p:cNvSpPr/>
           <p:nvPr/>
         </p:nvSpPr>
         <p:spPr>
           <a:xfrm>
-            <a:off x="26511160" y="15625731"/>
+            <a:off x="27185161" y="19081368"/>
             <a:ext cx="2075988" cy="968175"/>
           </a:xfrm>
           <a:prstGeom prst="rect">
@@ -3713,89 +3712,46 @@
             <a:r>
               <a:rPr lang="ko-KR" altLang="en-US" sz="1469" dirty="0">
                 <a:solidFill>
-                  <a:sysClr val="windowText" lastClr="000000"/>
+                  <a:schemeClr val="tx1"/>
                 </a:solidFill>
               </a:rPr>
-              <a:t>강의평가</a:t>
-            </a:r>
-            <a:endParaRPr lang="en-US" altLang="ko-KR" sz="1469" dirty="0">
-              <a:solidFill>
-                <a:sysClr val="windowText" lastClr="000000"/>
-              </a:solidFill>
-            </a:endParaRPr>
-          </a:p>
-          <a:p>
-            <a:pPr algn="ctr"/>
-            <a:r>
-              <a:rPr lang="ko-KR" altLang="en-US" sz="1469" dirty="0">
-                <a:solidFill>
-                  <a:sysClr val="windowText" lastClr="000000"/>
-                </a:solidFill>
-              </a:rPr>
-              <a:t>수행 </a:t>
-            </a:r>
-            <a:r>
-              <a:rPr lang="ko-KR" altLang="en-US" sz="1469" dirty="0" smtClean="0">
+              <a:t>강의 평가 결과</a:t>
+            </a:r>
+            <a:r>
+              <a:rPr lang="en-US" altLang="ko-KR" sz="1469" dirty="0">
                 <a:solidFill>
                   <a:schemeClr val="tx1"/>
                 </a:solidFill>
               </a:rPr>
-              <a:t>출력</a:t>
-            </a:r>
-            <a:endParaRPr lang="ko-KR" altLang="en-US" sz="1469" dirty="0">
-              <a:solidFill>
-                <a:schemeClr val="tx1"/>
-              </a:solidFill>
-            </a:endParaRPr>
-          </a:p>
-        </p:txBody>
-      </p:sp>
-      <p:cxnSp>
-        <p:nvCxnSpPr>
-          <p:cNvPr id="60" name="직선 화살표 연결선 59"/>
-          <p:cNvCxnSpPr>
-            <a:stCxn id="4" idx="2"/>
-            <a:endCxn id="59" idx="0"/>
-          </p:cNvCxnSpPr>
+              <a:t/>
+            </a:r>
+            <a:br>
+              <a:rPr lang="en-US" altLang="ko-KR" sz="1469" dirty="0">
+                <a:solidFill>
+                  <a:schemeClr val="tx1"/>
+                </a:solidFill>
+              </a:rPr>
+            </a:br>
+            <a:r>
+              <a:rPr lang="ko-KR" altLang="en-US" sz="1469" dirty="0">
+                <a:solidFill>
+                  <a:schemeClr val="tx1"/>
+                </a:solidFill>
+              </a:rPr>
+              <a:t>정보 저장</a:t>
+            </a:r>
+          </a:p>
+        </p:txBody>
+      </p:sp>
+      <p:sp>
+        <p:nvSpPr>
+          <p:cNvPr id="70" name="직사각형 69"/>
+          <p:cNvSpPr/>
           <p:nvPr/>
-        </p:nvCxnSpPr>
+        </p:nvSpPr>
         <p:spPr>
           <a:xfrm>
-            <a:off x="23745658" y="13548916"/>
-            <a:ext cx="3803500" cy="2076815"/>
-          </a:xfrm>
-          <a:prstGeom prst="straightConnector1">
-            <a:avLst/>
-          </a:prstGeom>
-          <a:ln w="38100">
-            <a:headEnd w="lg" len="lg"/>
-            <a:tailEnd type="triangle"/>
-          </a:ln>
-        </p:spPr>
-        <p:style>
-          <a:lnRef idx="1">
-            <a:schemeClr val="accent1"/>
-          </a:lnRef>
-          <a:fillRef idx="0">
-            <a:schemeClr val="accent1"/>
-          </a:fillRef>
-          <a:effectRef idx="0">
-            <a:schemeClr val="accent1"/>
-          </a:effectRef>
-          <a:fontRef idx="minor">
-            <a:schemeClr val="tx1"/>
-          </a:fontRef>
-        </p:style>
-      </p:cxnSp>
-      <p:sp>
-        <p:nvSpPr>
-          <p:cNvPr id="66" name="직사각형 65"/>
-          <p:cNvSpPr/>
-          <p:nvPr/>
-        </p:nvSpPr>
-        <p:spPr>
-          <a:xfrm>
-            <a:off x="27185161" y="19081368"/>
+            <a:off x="15225959" y="18995553"/>
             <a:ext cx="2075988" cy="968175"/>
           </a:xfrm>
           <a:prstGeom prst="rect">
@@ -3837,84 +3793,6 @@
                   <a:schemeClr val="tx1"/>
                 </a:solidFill>
               </a:rPr>
-              <a:t>강의 평가 결과</a:t>
-            </a:r>
-            <a:r>
-              <a:rPr lang="en-US" altLang="ko-KR" sz="1469" dirty="0">
-                <a:solidFill>
-                  <a:schemeClr val="tx1"/>
-                </a:solidFill>
-              </a:rPr>
-              <a:t/>
-            </a:r>
-            <a:br>
-              <a:rPr lang="en-US" altLang="ko-KR" sz="1469" dirty="0">
-                <a:solidFill>
-                  <a:schemeClr val="tx1"/>
-                </a:solidFill>
-              </a:rPr>
-            </a:br>
-            <a:r>
-              <a:rPr lang="ko-KR" altLang="en-US" sz="1469" dirty="0">
-                <a:solidFill>
-                  <a:schemeClr val="tx1"/>
-                </a:solidFill>
-              </a:rPr>
-              <a:t>정보 저장</a:t>
-            </a:r>
-          </a:p>
-        </p:txBody>
-      </p:sp>
-      <p:sp>
-        <p:nvSpPr>
-          <p:cNvPr id="70" name="직사각형 69"/>
-          <p:cNvSpPr/>
-          <p:nvPr/>
-        </p:nvSpPr>
-        <p:spPr>
-          <a:xfrm>
-            <a:off x="15225959" y="18995553"/>
-            <a:ext cx="2075988" cy="968175"/>
-          </a:xfrm>
-          <a:prstGeom prst="rect">
-            <a:avLst/>
-          </a:prstGeom>
-          <a:noFill/>
-          <a:ln w="31750">
-            <a:solidFill>
-              <a:schemeClr val="accent1">
-                <a:shade val="50000"/>
-              </a:schemeClr>
-            </a:solidFill>
-          </a:ln>
-        </p:spPr>
-        <p:style>
-          <a:lnRef idx="2">
-            <a:schemeClr val="accent1">
-              <a:shade val="50000"/>
-            </a:schemeClr>
-          </a:lnRef>
-          <a:fillRef idx="1">
-            <a:schemeClr val="accent1"/>
-          </a:fillRef>
-          <a:effectRef idx="0">
-            <a:schemeClr val="accent1"/>
-          </a:effectRef>
-          <a:fontRef idx="minor">
-            <a:schemeClr val="lt1"/>
-          </a:fontRef>
-        </p:style>
-        <p:txBody>
-          <a:bodyPr rtlCol="0" anchor="ctr"/>
-          <a:lstStyle/>
-          <a:p>
-            <a:pPr algn="ctr"/>
-            <a:r>
-              <a:rPr lang="ko-KR" altLang="en-US" sz="1469" dirty="0">
-                <a:solidFill>
-                  <a:schemeClr val="tx1"/>
-                </a:solidFill>
-              </a:rPr>
               <a:t>강의 평가 질문</a:t>
             </a:r>
             <a:r>
@@ -3983,14 +3861,15 @@
         <p:nvCxnSpPr>
           <p:cNvPr id="77" name="직선 화살표 연결선 76"/>
           <p:cNvCxnSpPr>
+            <a:stCxn id="45" idx="2"/>
             <a:endCxn id="20" idx="0"/>
           </p:cNvCxnSpPr>
           <p:nvPr/>
         </p:nvCxnSpPr>
         <p:spPr>
           <a:xfrm>
-            <a:off x="24715237" y="16622754"/>
-            <a:ext cx="923972" cy="2448546"/>
+            <a:off x="24208784" y="16589307"/>
+            <a:ext cx="1430425" cy="2481993"/>
           </a:xfrm>
           <a:prstGeom prst="straightConnector1">
             <a:avLst/>
@@ -4214,8 +4093,8 @@
           <p:nvPr/>
         </p:nvGrpSpPr>
         <p:grpSpPr>
-          <a:xfrm rot="12460804">
-            <a:off x="25145432" y="17557632"/>
+          <a:xfrm rot="11999916">
+            <a:off x="24929657" y="17656629"/>
             <a:ext cx="620391" cy="573119"/>
             <a:chOff x="5764817" y="2081712"/>
             <a:chExt cx="465295" cy="429840"/>
@@ -4310,8 +4189,8 @@
           <p:nvPr/>
         </p:nvSpPr>
         <p:spPr>
-          <a:xfrm rot="4010996">
-            <a:off x="24751260" y="17454369"/>
+          <a:xfrm rot="3550108">
+            <a:off x="24535485" y="17553366"/>
             <a:ext cx="1973617" cy="318421"/>
           </a:xfrm>
           <a:prstGeom prst="rect">
@@ -4545,8 +4424,8 @@
           <p:nvPr/>
         </p:nvGrpSpPr>
         <p:grpSpPr>
-          <a:xfrm rot="1552488">
-            <a:off x="24652008" y="17580710"/>
+          <a:xfrm rot="781023">
+            <a:off x="24458727" y="17741160"/>
             <a:ext cx="620391" cy="573119"/>
             <a:chOff x="5764817" y="2081712"/>
             <a:chExt cx="465295" cy="429840"/>
@@ -4641,8 +4520,8 @@
           <p:nvPr/>
         </p:nvSpPr>
         <p:spPr>
-          <a:xfrm rot="4447922">
-            <a:off x="23914679" y="17810123"/>
+          <a:xfrm rot="3676457">
+            <a:off x="23721398" y="17970573"/>
             <a:ext cx="1362873" cy="544508"/>
           </a:xfrm>
           <a:prstGeom prst="rect">
@@ -4806,8 +4685,8 @@
           <p:nvPr/>
         </p:nvGrpSpPr>
         <p:grpSpPr>
-          <a:xfrm rot="2058776">
-            <a:off x="27881916" y="17527078"/>
+          <a:xfrm>
+            <a:off x="26575172" y="17433983"/>
             <a:ext cx="620391" cy="573119"/>
             <a:chOff x="5764817" y="2081712"/>
             <a:chExt cx="465295" cy="429840"/>
@@ -4902,8 +4781,8 @@
           <p:nvPr/>
         </p:nvSpPr>
         <p:spPr>
-          <a:xfrm rot="4458128">
-            <a:off x="27577297" y="17553486"/>
+          <a:xfrm rot="2399352">
+            <a:off x="26270553" y="17460391"/>
             <a:ext cx="1973617" cy="318421"/>
           </a:xfrm>
           <a:prstGeom prst="rect">

--- a/SDD 관련 자료/작업 결과물/프로그램 구조도(트랜스폼, 트랜젝션)/강의평가 수행.pptx
+++ b/SDD 관련 자료/작업 결과물/프로그램 구조도(트랜스폼, 트랜젝션)/강의평가 수행.pptx
@@ -243,7 +243,7 @@
           <a:p>
             <a:fld id="{FEB97611-7D34-4565-8BE2-EC668B9DC89E}" type="datetimeFigureOut">
               <a:rPr lang="ko-KR" altLang="en-US" smtClean="0"/>
-              <a:t>2016-05-30</a:t>
+              <a:t>2016-05-31</a:t>
             </a:fld>
             <a:endParaRPr lang="ko-KR" altLang="en-US"/>
           </a:p>
@@ -413,7 +413,7 @@
           <a:p>
             <a:fld id="{FEB97611-7D34-4565-8BE2-EC668B9DC89E}" type="datetimeFigureOut">
               <a:rPr lang="ko-KR" altLang="en-US" smtClean="0"/>
-              <a:t>2016-05-30</a:t>
+              <a:t>2016-05-31</a:t>
             </a:fld>
             <a:endParaRPr lang="ko-KR" altLang="en-US"/>
           </a:p>
@@ -593,7 +593,7 @@
           <a:p>
             <a:fld id="{FEB97611-7D34-4565-8BE2-EC668B9DC89E}" type="datetimeFigureOut">
               <a:rPr lang="ko-KR" altLang="en-US" smtClean="0"/>
-              <a:t>2016-05-30</a:t>
+              <a:t>2016-05-31</a:t>
             </a:fld>
             <a:endParaRPr lang="ko-KR" altLang="en-US"/>
           </a:p>
@@ -763,7 +763,7 @@
           <a:p>
             <a:fld id="{FEB97611-7D34-4565-8BE2-EC668B9DC89E}" type="datetimeFigureOut">
               <a:rPr lang="ko-KR" altLang="en-US" smtClean="0"/>
-              <a:t>2016-05-30</a:t>
+              <a:t>2016-05-31</a:t>
             </a:fld>
             <a:endParaRPr lang="ko-KR" altLang="en-US"/>
           </a:p>
@@ -1007,7 +1007,7 @@
           <a:p>
             <a:fld id="{FEB97611-7D34-4565-8BE2-EC668B9DC89E}" type="datetimeFigureOut">
               <a:rPr lang="ko-KR" altLang="en-US" smtClean="0"/>
-              <a:t>2016-05-30</a:t>
+              <a:t>2016-05-31</a:t>
             </a:fld>
             <a:endParaRPr lang="ko-KR" altLang="en-US"/>
           </a:p>
@@ -1239,7 +1239,7 @@
           <a:p>
             <a:fld id="{FEB97611-7D34-4565-8BE2-EC668B9DC89E}" type="datetimeFigureOut">
               <a:rPr lang="ko-KR" altLang="en-US" smtClean="0"/>
-              <a:t>2016-05-30</a:t>
+              <a:t>2016-05-31</a:t>
             </a:fld>
             <a:endParaRPr lang="ko-KR" altLang="en-US"/>
           </a:p>
@@ -1606,7 +1606,7 @@
           <a:p>
             <a:fld id="{FEB97611-7D34-4565-8BE2-EC668B9DC89E}" type="datetimeFigureOut">
               <a:rPr lang="ko-KR" altLang="en-US" smtClean="0"/>
-              <a:t>2016-05-30</a:t>
+              <a:t>2016-05-31</a:t>
             </a:fld>
             <a:endParaRPr lang="ko-KR" altLang="en-US"/>
           </a:p>
@@ -1724,7 +1724,7 @@
           <a:p>
             <a:fld id="{FEB97611-7D34-4565-8BE2-EC668B9DC89E}" type="datetimeFigureOut">
               <a:rPr lang="ko-KR" altLang="en-US" smtClean="0"/>
-              <a:t>2016-05-30</a:t>
+              <a:t>2016-05-31</a:t>
             </a:fld>
             <a:endParaRPr lang="ko-KR" altLang="en-US"/>
           </a:p>
@@ -1819,7 +1819,7 @@
           <a:p>
             <a:fld id="{FEB97611-7D34-4565-8BE2-EC668B9DC89E}" type="datetimeFigureOut">
               <a:rPr lang="ko-KR" altLang="en-US" smtClean="0"/>
-              <a:t>2016-05-30</a:t>
+              <a:t>2016-05-31</a:t>
             </a:fld>
             <a:endParaRPr lang="ko-KR" altLang="en-US"/>
           </a:p>
@@ -2096,7 +2096,7 @@
           <a:p>
             <a:fld id="{FEB97611-7D34-4565-8BE2-EC668B9DC89E}" type="datetimeFigureOut">
               <a:rPr lang="ko-KR" altLang="en-US" smtClean="0"/>
-              <a:t>2016-05-30</a:t>
+              <a:t>2016-05-31</a:t>
             </a:fld>
             <a:endParaRPr lang="ko-KR" altLang="en-US"/>
           </a:p>
@@ -2353,7 +2353,7 @@
           <a:p>
             <a:fld id="{FEB97611-7D34-4565-8BE2-EC668B9DC89E}" type="datetimeFigureOut">
               <a:rPr lang="ko-KR" altLang="en-US" smtClean="0"/>
-              <a:t>2016-05-30</a:t>
+              <a:t>2016-05-31</a:t>
             </a:fld>
             <a:endParaRPr lang="ko-KR" altLang="en-US"/>
           </a:p>
@@ -2566,7 +2566,7 @@
           <a:p>
             <a:fld id="{FEB97611-7D34-4565-8BE2-EC668B9DC89E}" type="datetimeFigureOut">
               <a:rPr lang="ko-KR" altLang="en-US" smtClean="0"/>
-              <a:t>2016-05-30</a:t>
+              <a:t>2016-05-31</a:t>
             </a:fld>
             <a:endParaRPr lang="ko-KR" altLang="en-US"/>
           </a:p>
@@ -2980,7 +2980,7 @@
         <p:spPr>
           <a:xfrm>
             <a:off x="22439648" y="12580742"/>
-            <a:ext cx="2612012" cy="968175"/>
+            <a:ext cx="1126408" cy="968175"/>
           </a:xfrm>
           <a:prstGeom prst="rect">
             <a:avLst/>
@@ -3016,14 +3016,14 @@
           <a:p>
             <a:pPr algn="ctr"/>
             <a:r>
-              <a:rPr lang="ko-KR" altLang="en-US" sz="1469" dirty="0">
+              <a:rPr lang="ko-KR" altLang="en-US" sz="1100" dirty="0">
                 <a:solidFill>
                   <a:sysClr val="windowText" lastClr="000000"/>
                 </a:solidFill>
               </a:rPr>
               <a:t>강의평가</a:t>
             </a:r>
-            <a:endParaRPr lang="en-US" altLang="ko-KR" sz="1469" dirty="0">
+            <a:endParaRPr lang="en-US" altLang="ko-KR" sz="1100" dirty="0">
               <a:solidFill>
                 <a:sysClr val="windowText" lastClr="000000"/>
               </a:solidFill>
@@ -3032,7 +3032,7 @@
           <a:p>
             <a:pPr algn="ctr"/>
             <a:r>
-              <a:rPr lang="ko-KR" altLang="en-US" sz="1469" dirty="0">
+              <a:rPr lang="ko-KR" altLang="en-US" sz="1100" dirty="0">
                 <a:solidFill>
                   <a:sysClr val="windowText" lastClr="000000"/>
                 </a:solidFill>
@@ -3050,8 +3050,8 @@
         </p:nvSpPr>
         <p:spPr>
           <a:xfrm>
-            <a:off x="17448600" y="18995554"/>
-            <a:ext cx="2075988" cy="968175"/>
+            <a:off x="18694068" y="19004526"/>
+            <a:ext cx="1474304" cy="968175"/>
           </a:xfrm>
           <a:prstGeom prst="rect">
             <a:avLst/>
@@ -3087,7 +3087,7 @@
           <a:p>
             <a:pPr algn="ctr"/>
             <a:r>
-              <a:rPr lang="ko-KR" altLang="en-US" sz="1469" dirty="0">
+              <a:rPr lang="ko-KR" altLang="en-US" sz="1100" dirty="0">
                 <a:solidFill>
                   <a:schemeClr val="tx1"/>
                 </a:solidFill>
@@ -3108,8 +3108,8 @@
         </p:nvCxnSpPr>
         <p:spPr>
           <a:xfrm flipH="1">
-            <a:off x="18486594" y="16531354"/>
-            <a:ext cx="956050" cy="2464200"/>
+            <a:off x="19431220" y="16363602"/>
+            <a:ext cx="1518092" cy="2640924"/>
           </a:xfrm>
           <a:prstGeom prst="straightConnector1">
             <a:avLst/>
@@ -3144,8 +3144,8 @@
         </p:nvCxnSpPr>
         <p:spPr>
           <a:xfrm>
-            <a:off x="25114056" y="16622754"/>
-            <a:ext cx="3109099" cy="2458614"/>
+            <a:off x="24862484" y="16493359"/>
+            <a:ext cx="2136601" cy="2574953"/>
           </a:xfrm>
           <a:prstGeom prst="straightConnector1">
             <a:avLst/>
@@ -3180,8 +3180,8 @@
         </p:nvCxnSpPr>
         <p:spPr>
           <a:xfrm flipH="1">
-            <a:off x="16263953" y="16531354"/>
-            <a:ext cx="2599488" cy="2464199"/>
+            <a:off x="17770125" y="16363602"/>
+            <a:ext cx="2840023" cy="2640924"/>
           </a:xfrm>
           <a:prstGeom prst="straightConnector1">
             <a:avLst/>
@@ -3214,8 +3214,8 @@
         </p:nvSpPr>
         <p:spPr>
           <a:xfrm>
-            <a:off x="22063415" y="19068312"/>
-            <a:ext cx="2075988" cy="968175"/>
+            <a:off x="22937429" y="19068312"/>
+            <a:ext cx="1201974" cy="968175"/>
           </a:xfrm>
           <a:prstGeom prst="rect">
             <a:avLst/>
@@ -3251,14 +3251,14 @@
           <a:p>
             <a:pPr algn="ctr"/>
             <a:r>
-              <a:rPr lang="ko-KR" altLang="en-US" sz="1469" dirty="0">
+              <a:rPr lang="ko-KR" altLang="en-US" sz="1100" dirty="0">
                 <a:solidFill>
                   <a:schemeClr val="tx1"/>
                 </a:solidFill>
               </a:rPr>
               <a:t>강의평가</a:t>
             </a:r>
-            <a:endParaRPr lang="en-US" altLang="ko-KR" sz="1469" dirty="0">
+            <a:endParaRPr lang="en-US" altLang="ko-KR" sz="1100" dirty="0">
               <a:solidFill>
                 <a:schemeClr val="tx1"/>
               </a:solidFill>
@@ -3267,7 +3267,7 @@
           <a:p>
             <a:pPr algn="ctr"/>
             <a:r>
-              <a:rPr lang="ko-KR" altLang="en-US" sz="1469" dirty="0">
+              <a:rPr lang="ko-KR" altLang="en-US" sz="1100" dirty="0">
                 <a:solidFill>
                   <a:schemeClr val="tx1"/>
                 </a:solidFill>
@@ -3285,8 +3285,8 @@
         </p:nvSpPr>
         <p:spPr>
           <a:xfrm>
-            <a:off x="19669084" y="19004526"/>
-            <a:ext cx="2075988" cy="968175"/>
+            <a:off x="20355734" y="19004526"/>
+            <a:ext cx="1389337" cy="968175"/>
           </a:xfrm>
           <a:prstGeom prst="rect">
             <a:avLst/>
@@ -3322,7 +3322,7 @@
           <a:p>
             <a:pPr algn="ctr"/>
             <a:r>
-              <a:rPr lang="ko-KR" altLang="en-US" sz="1469" dirty="0">
+              <a:rPr lang="ko-KR" altLang="en-US" sz="1100" dirty="0">
                 <a:solidFill>
                   <a:schemeClr val="tx1"/>
                 </a:solidFill>
@@ -3341,7 +3341,7 @@
         <p:spPr>
           <a:xfrm>
             <a:off x="24601215" y="19071300"/>
-            <a:ext cx="2075988" cy="968175"/>
+            <a:ext cx="1422490" cy="968175"/>
           </a:xfrm>
           <a:prstGeom prst="rect">
             <a:avLst/>
@@ -3377,7 +3377,7 @@
           <a:p>
             <a:pPr algn="ctr"/>
             <a:r>
-              <a:rPr lang="ko-KR" altLang="en-US" sz="1469" dirty="0">
+              <a:rPr lang="ko-KR" altLang="en-US" sz="1100" dirty="0">
                 <a:solidFill>
                   <a:schemeClr val="tx1"/>
                 </a:solidFill>
@@ -3397,8 +3397,8 @@
         </p:nvCxnSpPr>
         <p:spPr>
           <a:xfrm flipH="1">
-            <a:off x="23101409" y="16622754"/>
-            <a:ext cx="703090" cy="2445558"/>
+            <a:off x="23538416" y="16493359"/>
+            <a:ext cx="652573" cy="2574953"/>
           </a:xfrm>
           <a:prstGeom prst="straightConnector1">
             <a:avLst/>
@@ -3431,8 +3431,8 @@
         </p:nvSpPr>
         <p:spPr>
           <a:xfrm>
-            <a:off x="18404650" y="15563179"/>
-            <a:ext cx="2075988" cy="968175"/>
+            <a:off x="20264581" y="15395427"/>
+            <a:ext cx="1369461" cy="968175"/>
           </a:xfrm>
           <a:prstGeom prst="rect">
             <a:avLst/>
@@ -3468,14 +3468,14 @@
           <a:p>
             <a:pPr algn="ctr"/>
             <a:r>
-              <a:rPr lang="ko-KR" altLang="en-US" sz="1469" dirty="0">
+              <a:rPr lang="ko-KR" altLang="en-US" sz="1100" dirty="0">
                 <a:solidFill>
                   <a:sysClr val="windowText" lastClr="000000"/>
                 </a:solidFill>
               </a:rPr>
               <a:t>강의평가</a:t>
             </a:r>
-            <a:endParaRPr lang="en-US" altLang="ko-KR" sz="1469" dirty="0">
+            <a:endParaRPr lang="en-US" altLang="ko-KR" sz="1100" dirty="0">
               <a:solidFill>
                 <a:sysClr val="windowText" lastClr="000000"/>
               </a:solidFill>
@@ -3484,7 +3484,7 @@
           <a:p>
             <a:pPr algn="ctr"/>
             <a:r>
-              <a:rPr lang="ko-KR" altLang="en-US" sz="1469" dirty="0">
+              <a:rPr lang="ko-KR" altLang="en-US" sz="1100" dirty="0">
                 <a:solidFill>
                   <a:sysClr val="windowText" lastClr="000000"/>
                 </a:solidFill>
@@ -3492,14 +3492,14 @@
               <a:t>수행 </a:t>
             </a:r>
             <a:r>
-              <a:rPr lang="ko-KR" altLang="en-US" sz="1469" dirty="0" smtClean="0">
+              <a:rPr lang="ko-KR" altLang="en-US" sz="1100" dirty="0" smtClean="0">
                 <a:solidFill>
                   <a:schemeClr val="tx1"/>
                 </a:solidFill>
               </a:rPr>
               <a:t>입력</a:t>
             </a:r>
-            <a:endParaRPr lang="ko-KR" altLang="en-US" sz="1469" dirty="0">
+            <a:endParaRPr lang="ko-KR" altLang="en-US" sz="1100" dirty="0">
               <a:solidFill>
                 <a:schemeClr val="tx1"/>
               </a:solidFill>
@@ -3518,8 +3518,8 @@
         </p:nvCxnSpPr>
         <p:spPr>
           <a:xfrm flipH="1">
-            <a:off x="19442644" y="13548917"/>
-            <a:ext cx="4303010" cy="2014262"/>
+            <a:off x="20949312" y="13548917"/>
+            <a:ext cx="2053540" cy="1846510"/>
           </a:xfrm>
           <a:prstGeom prst="straightConnector1">
             <a:avLst/>
@@ -3552,8 +3552,8 @@
         </p:nvSpPr>
         <p:spPr>
           <a:xfrm>
-            <a:off x="23170790" y="15621132"/>
-            <a:ext cx="2075988" cy="968175"/>
+            <a:off x="23792988" y="15525184"/>
+            <a:ext cx="1442279" cy="968175"/>
           </a:xfrm>
           <a:prstGeom prst="rect">
             <a:avLst/>
@@ -3589,14 +3589,14 @@
           <a:p>
             <a:pPr algn="ctr"/>
             <a:r>
-              <a:rPr lang="ko-KR" altLang="en-US" sz="1469" dirty="0">
+              <a:rPr lang="ko-KR" altLang="en-US" sz="1100" dirty="0">
                 <a:solidFill>
                   <a:sysClr val="windowText" lastClr="000000"/>
                 </a:solidFill>
               </a:rPr>
               <a:t>강의평가</a:t>
             </a:r>
-            <a:endParaRPr lang="en-US" altLang="ko-KR" sz="1469" dirty="0">
+            <a:endParaRPr lang="en-US" altLang="ko-KR" sz="1100" dirty="0">
               <a:solidFill>
                 <a:sysClr val="windowText" lastClr="000000"/>
               </a:solidFill>
@@ -3605,7 +3605,7 @@
           <a:p>
             <a:pPr algn="ctr"/>
             <a:r>
-              <a:rPr lang="ko-KR" altLang="en-US" sz="1469" dirty="0">
+              <a:rPr lang="ko-KR" altLang="en-US" sz="1100" dirty="0">
                 <a:solidFill>
                   <a:sysClr val="windowText" lastClr="000000"/>
                 </a:solidFill>
@@ -3613,14 +3613,14 @@
               <a:t>수행 </a:t>
             </a:r>
             <a:r>
-              <a:rPr lang="ko-KR" altLang="en-US" sz="1469" dirty="0" smtClean="0">
+              <a:rPr lang="ko-KR" altLang="en-US" sz="1100" dirty="0" smtClean="0">
                 <a:solidFill>
                   <a:schemeClr val="tx1"/>
                 </a:solidFill>
               </a:rPr>
               <a:t>처리</a:t>
             </a:r>
-            <a:endParaRPr lang="ko-KR" altLang="en-US" sz="1469" dirty="0">
+            <a:endParaRPr lang="ko-KR" altLang="en-US" sz="1100" dirty="0">
               <a:solidFill>
                 <a:schemeClr val="tx1"/>
               </a:solidFill>
@@ -3639,8 +3639,8 @@
         </p:nvCxnSpPr>
         <p:spPr>
           <a:xfrm>
-            <a:off x="23745654" y="13548913"/>
-            <a:ext cx="463129" cy="2072216"/>
+            <a:off x="23002852" y="13548917"/>
+            <a:ext cx="1511276" cy="1976267"/>
           </a:xfrm>
           <a:prstGeom prst="straightConnector1">
             <a:avLst/>
@@ -3673,8 +3673,8 @@
         </p:nvSpPr>
         <p:spPr>
           <a:xfrm>
-            <a:off x="27185161" y="19081368"/>
-            <a:ext cx="2075988" cy="968175"/>
+            <a:off x="26343230" y="19068312"/>
+            <a:ext cx="1311710" cy="968175"/>
           </a:xfrm>
           <a:prstGeom prst="rect">
             <a:avLst/>
@@ -3710,7 +3710,7 @@
           <a:p>
             <a:pPr algn="ctr"/>
             <a:r>
-              <a:rPr lang="ko-KR" altLang="en-US" sz="1469" dirty="0">
+              <a:rPr lang="ko-KR" altLang="en-US" sz="1100" dirty="0">
                 <a:solidFill>
                   <a:schemeClr val="tx1"/>
                 </a:solidFill>
@@ -3718,7 +3718,7 @@
               <a:t>강의 평가 결과</a:t>
             </a:r>
             <a:r>
-              <a:rPr lang="en-US" altLang="ko-KR" sz="1469" dirty="0">
+              <a:rPr lang="en-US" altLang="ko-KR" sz="1100" dirty="0">
                 <a:solidFill>
                   <a:schemeClr val="tx1"/>
                 </a:solidFill>
@@ -3726,14 +3726,14 @@
               <a:t/>
             </a:r>
             <a:br>
-              <a:rPr lang="en-US" altLang="ko-KR" sz="1469" dirty="0">
+              <a:rPr lang="en-US" altLang="ko-KR" sz="1100" dirty="0">
                 <a:solidFill>
                   <a:schemeClr val="tx1"/>
                 </a:solidFill>
               </a:rPr>
             </a:br>
             <a:r>
-              <a:rPr lang="ko-KR" altLang="en-US" sz="1469" dirty="0">
+              <a:rPr lang="ko-KR" altLang="en-US" sz="1100" dirty="0">
                 <a:solidFill>
                   <a:schemeClr val="tx1"/>
                 </a:solidFill>
@@ -3751,8 +3751,8 @@
         </p:nvSpPr>
         <p:spPr>
           <a:xfrm>
-            <a:off x="15225959" y="18995553"/>
-            <a:ext cx="2075988" cy="968175"/>
+            <a:off x="17112119" y="19004526"/>
+            <a:ext cx="1316012" cy="968175"/>
           </a:xfrm>
           <a:prstGeom prst="rect">
             <a:avLst/>
@@ -3788,7 +3788,7 @@
           <a:p>
             <a:pPr algn="ctr"/>
             <a:r>
-              <a:rPr lang="ko-KR" altLang="en-US" sz="1469" dirty="0">
+              <a:rPr lang="ko-KR" altLang="en-US" sz="1100" dirty="0">
                 <a:solidFill>
                   <a:schemeClr val="tx1"/>
                 </a:solidFill>
@@ -3796,7 +3796,7 @@
               <a:t>강의 평가 질문</a:t>
             </a:r>
             <a:r>
-              <a:rPr lang="en-US" altLang="ko-KR" sz="1469" dirty="0">
+              <a:rPr lang="en-US" altLang="ko-KR" sz="1100" dirty="0">
                 <a:solidFill>
                   <a:schemeClr val="tx1"/>
                 </a:solidFill>
@@ -3804,14 +3804,14 @@
               <a:t/>
             </a:r>
             <a:br>
-              <a:rPr lang="en-US" altLang="ko-KR" sz="1469" dirty="0">
+              <a:rPr lang="en-US" altLang="ko-KR" sz="1100" dirty="0">
                 <a:solidFill>
                   <a:schemeClr val="tx1"/>
                 </a:solidFill>
               </a:rPr>
             </a:br>
             <a:r>
-              <a:rPr lang="ko-KR" altLang="en-US" sz="1469" dirty="0">
+              <a:rPr lang="ko-KR" altLang="en-US" sz="1100" dirty="0">
                 <a:solidFill>
                   <a:schemeClr val="tx1"/>
                 </a:solidFill>
@@ -3830,9 +3830,9 @@
           <p:nvPr/>
         </p:nvCxnSpPr>
         <p:spPr>
-          <a:xfrm>
-            <a:off x="19978442" y="16531354"/>
-            <a:ext cx="728636" cy="2473172"/>
+          <a:xfrm flipH="1">
+            <a:off x="21050403" y="16363602"/>
+            <a:ext cx="211412" cy="2640924"/>
           </a:xfrm>
           <a:prstGeom prst="straightConnector1">
             <a:avLst/>
@@ -3868,8 +3868,8 @@
         </p:nvCxnSpPr>
         <p:spPr>
           <a:xfrm>
-            <a:off x="24208784" y="16589307"/>
-            <a:ext cx="1430425" cy="2481993"/>
+            <a:off x="24514128" y="16493359"/>
+            <a:ext cx="798332" cy="2577941"/>
           </a:xfrm>
           <a:prstGeom prst="straightConnector1">
             <a:avLst/>
@@ -3901,8 +3901,8 @@
           <p:nvPr/>
         </p:nvGrpSpPr>
         <p:grpSpPr>
-          <a:xfrm rot="15224143">
-            <a:off x="18346991" y="17718612"/>
+          <a:xfrm rot="15513896">
+            <a:off x="19352912" y="17928312"/>
             <a:ext cx="620391" cy="573119"/>
             <a:chOff x="5764817" y="2081712"/>
             <a:chExt cx="465295" cy="429840"/>
@@ -3998,7 +3998,7 @@
         </p:nvGrpSpPr>
         <p:grpSpPr>
           <a:xfrm rot="14803764">
-            <a:off x="22824346" y="17535579"/>
+            <a:off x="23276712" y="17618445"/>
             <a:ext cx="620391" cy="573119"/>
             <a:chOff x="5764817" y="2081712"/>
             <a:chExt cx="465295" cy="429840"/>
@@ -4093,8 +4093,8 @@
           <p:nvPr/>
         </p:nvGrpSpPr>
         <p:grpSpPr>
-          <a:xfrm rot="11999916">
-            <a:off x="24929657" y="17656629"/>
+          <a:xfrm rot="12528702">
+            <a:off x="25021465" y="17990607"/>
             <a:ext cx="620391" cy="573119"/>
             <a:chOff x="5764817" y="2081712"/>
             <a:chExt cx="465295" cy="429840"/>
@@ -4189,9 +4189,9 @@
           <p:nvPr/>
         </p:nvSpPr>
         <p:spPr>
-          <a:xfrm rot="3550108">
-            <a:off x="24535485" y="17553366"/>
-            <a:ext cx="1973617" cy="318421"/>
+          <a:xfrm rot="4078894">
+            <a:off x="24854919" y="17915749"/>
+            <a:ext cx="1518364" cy="261610"/>
           </a:xfrm>
           <a:prstGeom prst="rect">
             <a:avLst/>
@@ -4205,10 +4205,9 @@
           <a:lstStyle/>
           <a:p>
             <a:r>
-              <a:rPr lang="ko-KR" altLang="en-US" sz="1469" dirty="0"/>
+              <a:rPr lang="ko-KR" altLang="en-US" sz="1100" dirty="0"/>
               <a:t>등록된 강의평가 결과</a:t>
             </a:r>
-            <a:endParaRPr lang="ko-KR" altLang="en-US" sz="2135" dirty="0"/>
           </a:p>
         </p:txBody>
       </p:sp>
@@ -4220,8 +4219,8 @@
         </p:nvSpPr>
         <p:spPr>
           <a:xfrm rot="19076103">
-            <a:off x="15944713" y="17400633"/>
-            <a:ext cx="1973617" cy="318421"/>
+            <a:off x="17595912" y="17471159"/>
+            <a:ext cx="1518364" cy="261610"/>
           </a:xfrm>
           <a:prstGeom prst="rect">
             <a:avLst/>
@@ -4236,10 +4235,9 @@
           <a:p>
             <a:pPr algn="ctr"/>
             <a:r>
-              <a:rPr lang="ko-KR" altLang="en-US" sz="1469" dirty="0"/>
+              <a:rPr lang="ko-KR" altLang="en-US" sz="1100" dirty="0"/>
               <a:t>강의평가 질문 리스트</a:t>
             </a:r>
-            <a:endParaRPr lang="ko-KR" altLang="en-US" sz="2135" dirty="0"/>
           </a:p>
         </p:txBody>
       </p:sp>
@@ -4251,7 +4249,7 @@
         </p:nvGrpSpPr>
         <p:grpSpPr>
           <a:xfrm rot="16580021">
-            <a:off x="16870725" y="17529212"/>
+            <a:off x="18294298" y="17571333"/>
             <a:ext cx="620391" cy="573119"/>
             <a:chOff x="5764817" y="2081712"/>
             <a:chExt cx="465295" cy="429840"/>
@@ -4346,9 +4344,9 @@
           <p:nvPr/>
         </p:nvSpPr>
         <p:spPr>
-          <a:xfrm rot="17835654">
-            <a:off x="17671200" y="17524232"/>
-            <a:ext cx="1362873" cy="544508"/>
+          <a:xfrm rot="18125407">
+            <a:off x="18827001" y="17790742"/>
+            <a:ext cx="1063112" cy="430887"/>
           </a:xfrm>
           <a:prstGeom prst="rect">
             <a:avLst/>
@@ -4363,18 +4361,17 @@
           <a:p>
             <a:pPr algn="ctr"/>
             <a:r>
-              <a:rPr lang="ko-KR" altLang="en-US" sz="1469" dirty="0"/>
+              <a:rPr lang="ko-KR" altLang="en-US" sz="1100" dirty="0"/>
               <a:t>강의평가 대상</a:t>
             </a:r>
-            <a:endParaRPr lang="en-US" altLang="ko-KR" sz="1469" dirty="0"/>
+            <a:endParaRPr lang="en-US" altLang="ko-KR" sz="1100" dirty="0"/>
           </a:p>
           <a:p>
             <a:pPr algn="ctr"/>
             <a:r>
-              <a:rPr lang="ko-KR" altLang="en-US" sz="1469" dirty="0"/>
+              <a:rPr lang="ko-KR" altLang="en-US" sz="1100" dirty="0"/>
               <a:t>입력 정보</a:t>
             </a:r>
-            <a:endParaRPr lang="ko-KR" altLang="en-US" sz="2135" dirty="0"/>
           </a:p>
         </p:txBody>
       </p:sp>
@@ -4386,8 +4383,8 @@
         </p:nvSpPr>
         <p:spPr>
           <a:xfrm rot="17677972">
-            <a:off x="21941039" y="17423263"/>
-            <a:ext cx="1552027" cy="544508"/>
+            <a:off x="22567330" y="17562939"/>
+            <a:ext cx="1204176" cy="430887"/>
           </a:xfrm>
           <a:prstGeom prst="rect">
             <a:avLst/>
@@ -4402,18 +4399,17 @@
           <a:p>
             <a:pPr algn="ctr"/>
             <a:r>
-              <a:rPr lang="ko-KR" altLang="en-US" sz="1469" dirty="0"/>
+              <a:rPr lang="ko-KR" altLang="en-US" sz="1100" dirty="0"/>
               <a:t>구성된 </a:t>
             </a:r>
-            <a:endParaRPr lang="en-US" altLang="ko-KR" sz="1469" dirty="0"/>
+            <a:endParaRPr lang="en-US" altLang="ko-KR" sz="1100" dirty="0"/>
           </a:p>
           <a:p>
             <a:pPr algn="ctr"/>
             <a:r>
-              <a:rPr lang="ko-KR" altLang="en-US" sz="1469" dirty="0"/>
+              <a:rPr lang="ko-KR" altLang="en-US" sz="1100" dirty="0"/>
               <a:t>강의평가 질문지</a:t>
             </a:r>
-            <a:endParaRPr lang="ko-KR" altLang="en-US" sz="2135" dirty="0"/>
           </a:p>
         </p:txBody>
       </p:sp>
@@ -4424,7 +4420,7 @@
           <p:nvPr/>
         </p:nvGrpSpPr>
         <p:grpSpPr>
-          <a:xfrm rot="781023">
+          <a:xfrm rot="1594621">
             <a:off x="24458727" y="17741160"/>
             <a:ext cx="620391" cy="573119"/>
             <a:chOff x="5764817" y="2081712"/>
@@ -4520,9 +4516,9 @@
           <p:nvPr/>
         </p:nvSpPr>
         <p:spPr>
-          <a:xfrm rot="3676457">
-            <a:off x="23721398" y="17970573"/>
-            <a:ext cx="1362873" cy="544508"/>
+          <a:xfrm rot="4490055">
+            <a:off x="23871278" y="18027383"/>
+            <a:ext cx="1063112" cy="430887"/>
           </a:xfrm>
           <a:prstGeom prst="rect">
             <a:avLst/>
@@ -4537,18 +4533,17 @@
           <a:p>
             <a:pPr algn="ctr"/>
             <a:r>
-              <a:rPr lang="ko-KR" altLang="en-US" sz="1469" dirty="0"/>
+              <a:rPr lang="ko-KR" altLang="en-US" sz="1100" dirty="0"/>
               <a:t>등록할</a:t>
             </a:r>
-            <a:endParaRPr lang="en-US" altLang="ko-KR" sz="1469" dirty="0"/>
+            <a:endParaRPr lang="en-US" altLang="ko-KR" sz="1100" dirty="0"/>
           </a:p>
           <a:p>
             <a:pPr algn="ctr"/>
             <a:r>
-              <a:rPr lang="ko-KR" altLang="en-US" sz="1469" dirty="0"/>
+              <a:rPr lang="ko-KR" altLang="en-US" sz="1100" dirty="0"/>
               <a:t>강의평가 결과</a:t>
             </a:r>
-            <a:endParaRPr lang="ko-KR" altLang="en-US" sz="2135" dirty="0"/>
           </a:p>
         </p:txBody>
       </p:sp>
@@ -4559,9 +4554,9 @@
           <p:nvPr/>
         </p:nvSpPr>
         <p:spPr>
-          <a:xfrm rot="4464574">
-            <a:off x="18736156" y="17819144"/>
-            <a:ext cx="1973617" cy="318421"/>
+          <a:xfrm rot="16586401">
+            <a:off x="19802347" y="17999161"/>
+            <a:ext cx="1518364" cy="261610"/>
           </a:xfrm>
           <a:prstGeom prst="rect">
             <a:avLst/>
@@ -4575,10 +4570,9 @@
           <a:lstStyle/>
           <a:p>
             <a:r>
-              <a:rPr lang="ko-KR" altLang="en-US" sz="1469" dirty="0"/>
+              <a:rPr lang="ko-KR" altLang="en-US" sz="1100" dirty="0"/>
               <a:t>등록할 강의평가 결과</a:t>
             </a:r>
-            <a:endParaRPr lang="ko-KR" altLang="en-US" sz="2135" dirty="0"/>
           </a:p>
         </p:txBody>
       </p:sp>
@@ -4589,8 +4583,8 @@
           <p:nvPr/>
         </p:nvGrpSpPr>
         <p:grpSpPr>
-          <a:xfrm rot="12431207">
-            <a:off x="19738184" y="17521166"/>
+          <a:xfrm rot="3159231">
+            <a:off x="20576749" y="17672778"/>
             <a:ext cx="620391" cy="573119"/>
             <a:chOff x="5764817" y="2081712"/>
             <a:chExt cx="465295" cy="429840"/>
@@ -4685,8 +4679,8 @@
           <p:nvPr/>
         </p:nvGrpSpPr>
         <p:grpSpPr>
-          <a:xfrm>
-            <a:off x="26575172" y="17433983"/>
+          <a:xfrm rot="634582">
+            <a:off x="26044182" y="17605133"/>
             <a:ext cx="620391" cy="573119"/>
             <a:chOff x="5764817" y="2081712"/>
             <a:chExt cx="465295" cy="429840"/>
@@ -4781,9 +4775,9 @@
           <p:nvPr/>
         </p:nvSpPr>
         <p:spPr>
-          <a:xfrm rot="2399352">
-            <a:off x="26270553" y="17460391"/>
-            <a:ext cx="1973617" cy="318421"/>
+          <a:xfrm rot="3033934">
+            <a:off x="25967189" y="17659946"/>
+            <a:ext cx="1518364" cy="261610"/>
           </a:xfrm>
           <a:prstGeom prst="rect">
             <a:avLst/>
@@ -4797,10 +4791,9 @@
           <a:lstStyle/>
           <a:p>
             <a:r>
-              <a:rPr lang="ko-KR" altLang="en-US" sz="1469" dirty="0"/>
+              <a:rPr lang="ko-KR" altLang="en-US" sz="1100" dirty="0"/>
               <a:t>등록된 강의평가 결과</a:t>
             </a:r>
-            <a:endParaRPr lang="ko-KR" altLang="en-US" sz="2135" dirty="0"/>
           </a:p>
         </p:txBody>
       </p:sp>

--- a/SDD 관련 자료/작업 결과물/프로그램 구조도(트랜스폼, 트랜젝션)/강의평가 수행.pptx
+++ b/SDD 관련 자료/작업 결과물/프로그램 구조도(트랜스폼, 트랜젝션)/강의평가 수행.pptx
@@ -3050,7 +3050,7 @@
         </p:nvSpPr>
         <p:spPr>
           <a:xfrm>
-            <a:off x="18694068" y="19004526"/>
+            <a:off x="17536512" y="19206229"/>
             <a:ext cx="1474304" cy="968175"/>
           </a:xfrm>
           <a:prstGeom prst="rect">
@@ -3108,8 +3108,8 @@
         </p:nvCxnSpPr>
         <p:spPr>
           <a:xfrm flipH="1">
-            <a:off x="19431220" y="16363602"/>
-            <a:ext cx="1518092" cy="2640924"/>
+            <a:off x="18273664" y="16493358"/>
+            <a:ext cx="1006437" cy="2712871"/>
           </a:xfrm>
           <a:prstGeom prst="straightConnector1">
             <a:avLst/>
@@ -3144,8 +3144,8 @@
         </p:nvCxnSpPr>
         <p:spPr>
           <a:xfrm>
-            <a:off x="24862484" y="16493359"/>
-            <a:ext cx="2136601" cy="2574953"/>
+            <a:off x="23126555" y="16631564"/>
+            <a:ext cx="1002526" cy="2580414"/>
           </a:xfrm>
           <a:prstGeom prst="straightConnector1">
             <a:avLst/>
@@ -3180,7 +3180,7 @@
         </p:nvCxnSpPr>
         <p:spPr>
           <a:xfrm flipH="1">
-            <a:off x="17770125" y="16363602"/>
+            <a:off x="16100914" y="16493358"/>
             <a:ext cx="2840023" cy="2640924"/>
           </a:xfrm>
           <a:prstGeom prst="straightConnector1">
@@ -3214,7 +3214,7 @@
         </p:nvSpPr>
         <p:spPr>
           <a:xfrm>
-            <a:off x="22937429" y="19068312"/>
+            <a:off x="25591751" y="19211978"/>
             <a:ext cx="1201974" cy="968175"/>
           </a:xfrm>
           <a:prstGeom prst="rect">
@@ -3285,7 +3285,7 @@
         </p:nvSpPr>
         <p:spPr>
           <a:xfrm>
-            <a:off x="20355734" y="19004526"/>
+            <a:off x="19601250" y="19216361"/>
             <a:ext cx="1389337" cy="968175"/>
           </a:xfrm>
           <a:prstGeom prst="rect">
@@ -3340,7 +3340,7 @@
         </p:nvSpPr>
         <p:spPr>
           <a:xfrm>
-            <a:off x="24601215" y="19071300"/>
+            <a:off x="21731211" y="19214966"/>
             <a:ext cx="1422490" cy="968175"/>
           </a:xfrm>
           <a:prstGeom prst="rect">
@@ -3391,14 +3391,15 @@
         <p:nvCxnSpPr>
           <p:cNvPr id="29" name="직선 화살표 연결선 28"/>
           <p:cNvCxnSpPr>
+            <a:stCxn id="54" idx="2"/>
             <a:endCxn id="18" idx="0"/>
           </p:cNvCxnSpPr>
           <p:nvPr/>
         </p:nvCxnSpPr>
         <p:spPr>
           <a:xfrm flipH="1">
-            <a:off x="23538416" y="16493359"/>
-            <a:ext cx="652573" cy="2574953"/>
+            <a:off x="26192738" y="16635403"/>
+            <a:ext cx="133887" cy="2576575"/>
           </a:xfrm>
           <a:prstGeom prst="straightConnector1">
             <a:avLst/>
@@ -3431,7 +3432,7 @@
         </p:nvSpPr>
         <p:spPr>
           <a:xfrm>
-            <a:off x="20264581" y="15395427"/>
+            <a:off x="18595370" y="15525183"/>
             <a:ext cx="1369461" cy="968175"/>
           </a:xfrm>
           <a:prstGeom prst="rect">
@@ -3518,8 +3519,8 @@
         </p:nvCxnSpPr>
         <p:spPr>
           <a:xfrm flipH="1">
-            <a:off x="20949312" y="13548917"/>
-            <a:ext cx="2053540" cy="1846510"/>
+            <a:off x="19280101" y="13548917"/>
+            <a:ext cx="3722751" cy="1976266"/>
           </a:xfrm>
           <a:prstGeom prst="straightConnector1">
             <a:avLst/>
@@ -3552,7 +3553,7 @@
         </p:nvSpPr>
         <p:spPr>
           <a:xfrm>
-            <a:off x="23792988" y="15525184"/>
+            <a:off x="22123777" y="15654940"/>
             <a:ext cx="1442279" cy="968175"/>
           </a:xfrm>
           <a:prstGeom prst="rect">
@@ -3638,9 +3639,9 @@
           <p:nvPr/>
         </p:nvCxnSpPr>
         <p:spPr>
-          <a:xfrm>
-            <a:off x="23002852" y="13548917"/>
-            <a:ext cx="1511276" cy="1976267"/>
+          <a:xfrm flipH="1">
+            <a:off x="22844917" y="13548917"/>
+            <a:ext cx="157935" cy="2106023"/>
           </a:xfrm>
           <a:prstGeom prst="straightConnector1">
             <a:avLst/>
@@ -3673,7 +3674,7 @@
         </p:nvSpPr>
         <p:spPr>
           <a:xfrm>
-            <a:off x="26343230" y="19068312"/>
+            <a:off x="23473226" y="19211978"/>
             <a:ext cx="1311710" cy="968175"/>
           </a:xfrm>
           <a:prstGeom prst="rect">
@@ -3751,7 +3752,7 @@
         </p:nvSpPr>
         <p:spPr>
           <a:xfrm>
-            <a:off x="17112119" y="19004526"/>
+            <a:off x="15442908" y="19134282"/>
             <a:ext cx="1316012" cy="968175"/>
           </a:xfrm>
           <a:prstGeom prst="rect">
@@ -3830,9 +3831,9 @@
           <p:nvPr/>
         </p:nvCxnSpPr>
         <p:spPr>
-          <a:xfrm flipH="1">
-            <a:off x="21050403" y="16363602"/>
-            <a:ext cx="211412" cy="2640924"/>
+          <a:xfrm>
+            <a:off x="19643235" y="16493358"/>
+            <a:ext cx="652684" cy="2723003"/>
           </a:xfrm>
           <a:prstGeom prst="straightConnector1">
             <a:avLst/>
@@ -3861,15 +3862,14 @@
         <p:nvCxnSpPr>
           <p:cNvPr id="77" name="직선 화살표 연결선 76"/>
           <p:cNvCxnSpPr>
-            <a:stCxn id="45" idx="2"/>
             <a:endCxn id="20" idx="0"/>
           </p:cNvCxnSpPr>
           <p:nvPr/>
         </p:nvCxnSpPr>
         <p:spPr>
-          <a:xfrm>
-            <a:off x="24514128" y="16493359"/>
-            <a:ext cx="798332" cy="2577941"/>
+          <a:xfrm flipH="1">
+            <a:off x="22442456" y="16623115"/>
+            <a:ext cx="33280" cy="2591851"/>
           </a:xfrm>
           <a:prstGeom prst="straightConnector1">
             <a:avLst/>
@@ -3901,8 +3901,8 @@
           <p:nvPr/>
         </p:nvGrpSpPr>
         <p:grpSpPr>
-          <a:xfrm rot="15513896">
-            <a:off x="19352912" y="17928312"/>
+          <a:xfrm rot="15088048">
+            <a:off x="18567387" y="18002280"/>
             <a:ext cx="620391" cy="573119"/>
             <a:chOff x="5764817" y="2081712"/>
             <a:chExt cx="465295" cy="429840"/>
@@ -3992,109 +3992,13 @@
       </p:grpSp>
       <p:grpSp>
         <p:nvGrpSpPr>
-          <p:cNvPr id="24" name="그룹 23"/>
-          <p:cNvGrpSpPr/>
-          <p:nvPr/>
-        </p:nvGrpSpPr>
-        <p:grpSpPr>
-          <a:xfrm rot="14803764">
-            <a:off x="23276712" y="17618445"/>
-            <a:ext cx="620391" cy="573119"/>
-            <a:chOff x="5764817" y="2081712"/>
-            <a:chExt cx="465295" cy="429840"/>
-          </a:xfrm>
-        </p:grpSpPr>
-        <p:sp>
-          <p:nvSpPr>
-            <p:cNvPr id="25" name="타원 24"/>
-            <p:cNvSpPr/>
-            <p:nvPr/>
-          </p:nvSpPr>
-          <p:spPr>
-            <a:xfrm>
-              <a:off x="5764817" y="2081712"/>
-              <a:ext cx="254984" cy="254984"/>
-            </a:xfrm>
-            <a:prstGeom prst="ellipse">
-              <a:avLst/>
-            </a:prstGeom>
-            <a:noFill/>
-            <a:ln w="38100">
-              <a:solidFill>
-                <a:schemeClr val="accent1"/>
-              </a:solidFill>
-            </a:ln>
-          </p:spPr>
-          <p:style>
-            <a:lnRef idx="2">
-              <a:schemeClr val="accent1">
-                <a:shade val="50000"/>
-              </a:schemeClr>
-            </a:lnRef>
-            <a:fillRef idx="1">
-              <a:schemeClr val="accent1"/>
-            </a:fillRef>
-            <a:effectRef idx="0">
-              <a:schemeClr val="accent1"/>
-            </a:effectRef>
-            <a:fontRef idx="minor">
-              <a:schemeClr val="lt1"/>
-            </a:fontRef>
-          </p:style>
-          <p:txBody>
-            <a:bodyPr rtlCol="0" anchor="ctr"/>
-            <a:lstStyle/>
-            <a:p>
-              <a:pPr algn="ctr"/>
-              <a:endParaRPr lang="ko-KR" altLang="en-US" sz="700"/>
-            </a:p>
-          </p:txBody>
-        </p:sp>
-        <p:cxnSp>
-          <p:nvCxnSpPr>
-            <p:cNvPr id="26" name="직선 연결선 25"/>
-            <p:cNvCxnSpPr>
-              <a:endCxn id="25" idx="5"/>
-            </p:cNvCxnSpPr>
-            <p:nvPr/>
-          </p:nvCxnSpPr>
-          <p:spPr>
-            <a:xfrm flipH="1" flipV="1">
-              <a:off x="5982459" y="2299354"/>
-              <a:ext cx="247653" cy="212198"/>
-            </a:xfrm>
-            <a:prstGeom prst="line">
-              <a:avLst/>
-            </a:prstGeom>
-            <a:ln w="38100">
-              <a:headEnd type="stealth" w="lg" len="lg"/>
-            </a:ln>
-          </p:spPr>
-          <p:style>
-            <a:lnRef idx="1">
-              <a:schemeClr val="accent1"/>
-            </a:lnRef>
-            <a:fillRef idx="0">
-              <a:schemeClr val="accent1"/>
-            </a:fillRef>
-            <a:effectRef idx="0">
-              <a:schemeClr val="accent1"/>
-            </a:effectRef>
-            <a:fontRef idx="minor">
-              <a:schemeClr val="tx1"/>
-            </a:fontRef>
-          </p:style>
-        </p:cxnSp>
-      </p:grpSp>
-      <p:grpSp>
-        <p:nvGrpSpPr>
           <p:cNvPr id="27" name="그룹 26"/>
           <p:cNvGrpSpPr/>
           <p:nvPr/>
         </p:nvGrpSpPr>
         <p:grpSpPr>
-          <a:xfrm rot="12528702">
-            <a:off x="25021465" y="17990607"/>
+          <a:xfrm rot="13634645">
+            <a:off x="22403207" y="18019443"/>
             <a:ext cx="620391" cy="573119"/>
             <a:chOff x="5764817" y="2081712"/>
             <a:chExt cx="465295" cy="429840"/>
@@ -4189,8 +4093,8 @@
           <p:nvPr/>
         </p:nvSpPr>
         <p:spPr>
-          <a:xfrm rot="4078894">
-            <a:off x="24854919" y="17915749"/>
+          <a:xfrm rot="5184837">
+            <a:off x="22236661" y="17944585"/>
             <a:ext cx="1518364" cy="261610"/>
           </a:xfrm>
           <a:prstGeom prst="rect">
@@ -4218,8 +4122,8 @@
           <p:nvPr/>
         </p:nvSpPr>
         <p:spPr>
-          <a:xfrm rot="19076103">
-            <a:off x="17595912" y="17471159"/>
+          <a:xfrm rot="18738584">
+            <a:off x="16884368" y="18288754"/>
             <a:ext cx="1518364" cy="261610"/>
           </a:xfrm>
           <a:prstGeom prst="rect">
@@ -4249,7 +4153,7 @@
         </p:nvGrpSpPr>
         <p:grpSpPr>
           <a:xfrm rot="16580021">
-            <a:off x="18294298" y="17571333"/>
+            <a:off x="17134438" y="17928220"/>
             <a:ext cx="620391" cy="573119"/>
             <a:chOff x="5764817" y="2081712"/>
             <a:chExt cx="465295" cy="429840"/>
@@ -4344,8 +4248,8 @@
           <p:nvPr/>
         </p:nvSpPr>
         <p:spPr>
-          <a:xfrm rot="18125407">
-            <a:off x="18827001" y="17790742"/>
+          <a:xfrm rot="17762544">
+            <a:off x="18734998" y="18263084"/>
             <a:ext cx="1063112" cy="430887"/>
           </a:xfrm>
           <a:prstGeom prst="rect">
@@ -4371,44 +4275,6 @@
             <a:r>
               <a:rPr lang="ko-KR" altLang="en-US" sz="1100" dirty="0"/>
               <a:t>입력 정보</a:t>
-            </a:r>
-          </a:p>
-        </p:txBody>
-      </p:sp>
-      <p:sp>
-        <p:nvSpPr>
-          <p:cNvPr id="37" name="TextBox 36"/>
-          <p:cNvSpPr txBox="1"/>
-          <p:nvPr/>
-        </p:nvSpPr>
-        <p:spPr>
-          <a:xfrm rot="17677972">
-            <a:off x="22567330" y="17562939"/>
-            <a:ext cx="1204176" cy="430887"/>
-          </a:xfrm>
-          <a:prstGeom prst="rect">
-            <a:avLst/>
-          </a:prstGeom>
-          <a:noFill/>
-        </p:spPr>
-        <p:txBody>
-          <a:bodyPr wrap="none" rtlCol="0">
-            <a:spAutoFit/>
-          </a:bodyPr>
-          <a:lstStyle/>
-          <a:p>
-            <a:pPr algn="ctr"/>
-            <a:r>
-              <a:rPr lang="ko-KR" altLang="en-US" sz="1100" dirty="0"/>
-              <a:t>구성된 </a:t>
-            </a:r>
-            <a:endParaRPr lang="en-US" altLang="ko-KR" sz="1100" dirty="0"/>
-          </a:p>
-          <a:p>
-            <a:pPr algn="ctr"/>
-            <a:r>
-              <a:rPr lang="ko-KR" altLang="en-US" sz="1100" dirty="0"/>
-              <a:t>강의평가 질문지</a:t>
             </a:r>
           </a:p>
         </p:txBody>
@@ -4420,8 +4286,8 @@
           <p:nvPr/>
         </p:nvGrpSpPr>
         <p:grpSpPr>
-          <a:xfrm rot="1594621">
-            <a:off x="24458727" y="17741160"/>
+          <a:xfrm rot="2700564">
+            <a:off x="21840469" y="17769996"/>
             <a:ext cx="620391" cy="573119"/>
             <a:chOff x="5764817" y="2081712"/>
             <a:chExt cx="465295" cy="429840"/>
@@ -4516,8 +4382,8 @@
           <p:nvPr/>
         </p:nvSpPr>
         <p:spPr>
-          <a:xfrm rot="4490055">
-            <a:off x="23871278" y="18027383"/>
+          <a:xfrm rot="16200000">
+            <a:off x="21150928" y="17817840"/>
             <a:ext cx="1063112" cy="430887"/>
           </a:xfrm>
           <a:prstGeom prst="rect">
@@ -4554,8 +4420,8 @@
           <p:nvPr/>
         </p:nvSpPr>
         <p:spPr>
-          <a:xfrm rot="16586401">
-            <a:off x="19802347" y="17999161"/>
+          <a:xfrm rot="4511188">
+            <a:off x="19789376" y="17641496"/>
             <a:ext cx="1518364" cy="261610"/>
           </a:xfrm>
           <a:prstGeom prst="rect">
@@ -4583,8 +4449,8 @@
           <p:nvPr/>
         </p:nvGrpSpPr>
         <p:grpSpPr>
-          <a:xfrm rot="3159231">
-            <a:off x="20576749" y="17672778"/>
+          <a:xfrm rot="12794192">
+            <a:off x="19891078" y="17478415"/>
             <a:ext cx="620391" cy="573119"/>
             <a:chOff x="5764817" y="2081712"/>
             <a:chExt cx="465295" cy="429840"/>
@@ -4679,8 +4545,8 @@
           <p:nvPr/>
         </p:nvGrpSpPr>
         <p:grpSpPr>
-          <a:xfrm rot="634582">
-            <a:off x="26044182" y="17605133"/>
+          <a:xfrm rot="1388309">
+            <a:off x="23740786" y="17811842"/>
             <a:ext cx="620391" cy="573119"/>
             <a:chOff x="5764817" y="2081712"/>
             <a:chExt cx="465295" cy="429840"/>
@@ -4775,8 +4641,8 @@
           <p:nvPr/>
         </p:nvSpPr>
         <p:spPr>
-          <a:xfrm rot="3033934">
-            <a:off x="25967189" y="17659946"/>
+          <a:xfrm rot="3787661">
+            <a:off x="23663793" y="17866655"/>
             <a:ext cx="1518364" cy="261610"/>
           </a:xfrm>
           <a:prstGeom prst="rect">
@@ -4797,6 +4663,789 @@
           </a:p>
         </p:txBody>
       </p:sp>
+      <p:sp>
+        <p:nvSpPr>
+          <p:cNvPr id="54" name="직사각형 53"/>
+          <p:cNvSpPr/>
+          <p:nvPr/>
+        </p:nvSpPr>
+        <p:spPr>
+          <a:xfrm>
+            <a:off x="25605485" y="15667228"/>
+            <a:ext cx="1442279" cy="968175"/>
+          </a:xfrm>
+          <a:prstGeom prst="rect">
+            <a:avLst/>
+          </a:prstGeom>
+          <a:noFill/>
+          <a:ln w="31750">
+            <a:solidFill>
+              <a:schemeClr val="accent1">
+                <a:shade val="50000"/>
+              </a:schemeClr>
+            </a:solidFill>
+          </a:ln>
+        </p:spPr>
+        <p:style>
+          <a:lnRef idx="2">
+            <a:schemeClr val="accent1">
+              <a:shade val="50000"/>
+            </a:schemeClr>
+          </a:lnRef>
+          <a:fillRef idx="1">
+            <a:schemeClr val="accent1"/>
+          </a:fillRef>
+          <a:effectRef idx="0">
+            <a:schemeClr val="accent1"/>
+          </a:effectRef>
+          <a:fontRef idx="minor">
+            <a:schemeClr val="lt1"/>
+          </a:fontRef>
+        </p:style>
+        <p:txBody>
+          <a:bodyPr rtlCol="0" anchor="ctr"/>
+          <a:lstStyle/>
+          <a:p>
+            <a:pPr algn="ctr"/>
+            <a:r>
+              <a:rPr lang="ko-KR" altLang="en-US" sz="1100" dirty="0">
+                <a:solidFill>
+                  <a:sysClr val="windowText" lastClr="000000"/>
+                </a:solidFill>
+              </a:rPr>
+              <a:t>강의평가</a:t>
+            </a:r>
+            <a:endParaRPr lang="en-US" altLang="ko-KR" sz="1100" dirty="0">
+              <a:solidFill>
+                <a:sysClr val="windowText" lastClr="000000"/>
+              </a:solidFill>
+            </a:endParaRPr>
+          </a:p>
+          <a:p>
+            <a:pPr algn="ctr"/>
+            <a:r>
+              <a:rPr lang="ko-KR" altLang="en-US" sz="1100" dirty="0">
+                <a:solidFill>
+                  <a:sysClr val="windowText" lastClr="000000"/>
+                </a:solidFill>
+              </a:rPr>
+              <a:t>수행 </a:t>
+            </a:r>
+            <a:r>
+              <a:rPr lang="ko-KR" altLang="en-US" sz="1100" dirty="0" smtClean="0">
+                <a:solidFill>
+                  <a:schemeClr val="tx1"/>
+                </a:solidFill>
+              </a:rPr>
+              <a:t>출력</a:t>
+            </a:r>
+            <a:endParaRPr lang="ko-KR" altLang="en-US" sz="1100" dirty="0">
+              <a:solidFill>
+                <a:schemeClr val="tx1"/>
+              </a:solidFill>
+            </a:endParaRPr>
+          </a:p>
+        </p:txBody>
+      </p:sp>
+      <p:cxnSp>
+        <p:nvCxnSpPr>
+          <p:cNvPr id="55" name="직선 화살표 연결선 54"/>
+          <p:cNvCxnSpPr>
+            <a:stCxn id="4" idx="2"/>
+            <a:endCxn id="54" idx="0"/>
+          </p:cNvCxnSpPr>
+          <p:nvPr/>
+        </p:nvCxnSpPr>
+        <p:spPr>
+          <a:xfrm>
+            <a:off x="23002852" y="13548917"/>
+            <a:ext cx="3323773" cy="2118311"/>
+          </a:xfrm>
+          <a:prstGeom prst="straightConnector1">
+            <a:avLst/>
+          </a:prstGeom>
+          <a:ln w="38100">
+            <a:headEnd w="lg" len="lg"/>
+            <a:tailEnd type="triangle"/>
+          </a:ln>
+        </p:spPr>
+        <p:style>
+          <a:lnRef idx="1">
+            <a:schemeClr val="accent1"/>
+          </a:lnRef>
+          <a:fillRef idx="0">
+            <a:schemeClr val="accent1"/>
+          </a:fillRef>
+          <a:effectRef idx="0">
+            <a:schemeClr val="accent1"/>
+          </a:effectRef>
+          <a:fontRef idx="minor">
+            <a:schemeClr val="tx1"/>
+          </a:fontRef>
+        </p:style>
+      </p:cxnSp>
+      <p:grpSp>
+        <p:nvGrpSpPr>
+          <p:cNvPr id="71" name="그룹 70"/>
+          <p:cNvGrpSpPr/>
+          <p:nvPr/>
+        </p:nvGrpSpPr>
+        <p:grpSpPr>
+          <a:xfrm rot="3123540">
+            <a:off x="22383104" y="14462938"/>
+            <a:ext cx="620391" cy="573119"/>
+            <a:chOff x="5764817" y="2081712"/>
+            <a:chExt cx="465295" cy="429840"/>
+          </a:xfrm>
+        </p:grpSpPr>
+        <p:sp>
+          <p:nvSpPr>
+            <p:cNvPr id="72" name="타원 71"/>
+            <p:cNvSpPr/>
+            <p:nvPr/>
+          </p:nvSpPr>
+          <p:spPr>
+            <a:xfrm>
+              <a:off x="5764817" y="2081712"/>
+              <a:ext cx="254984" cy="254984"/>
+            </a:xfrm>
+            <a:prstGeom prst="ellipse">
+              <a:avLst/>
+            </a:prstGeom>
+            <a:noFill/>
+            <a:ln w="38100">
+              <a:solidFill>
+                <a:schemeClr val="accent1"/>
+              </a:solidFill>
+            </a:ln>
+          </p:spPr>
+          <p:style>
+            <a:lnRef idx="2">
+              <a:schemeClr val="accent1">
+                <a:shade val="50000"/>
+              </a:schemeClr>
+            </a:lnRef>
+            <a:fillRef idx="1">
+              <a:schemeClr val="accent1"/>
+            </a:fillRef>
+            <a:effectRef idx="0">
+              <a:schemeClr val="accent1"/>
+            </a:effectRef>
+            <a:fontRef idx="minor">
+              <a:schemeClr val="lt1"/>
+            </a:fontRef>
+          </p:style>
+          <p:txBody>
+            <a:bodyPr rtlCol="0" anchor="ctr"/>
+            <a:lstStyle/>
+            <a:p>
+              <a:pPr algn="ctr"/>
+              <a:endParaRPr lang="ko-KR" altLang="en-US" sz="700"/>
+            </a:p>
+          </p:txBody>
+        </p:sp>
+        <p:cxnSp>
+          <p:nvCxnSpPr>
+            <p:cNvPr id="73" name="직선 연결선 72"/>
+            <p:cNvCxnSpPr>
+              <a:endCxn id="72" idx="5"/>
+            </p:cNvCxnSpPr>
+            <p:nvPr/>
+          </p:nvCxnSpPr>
+          <p:spPr>
+            <a:xfrm flipH="1" flipV="1">
+              <a:off x="5982459" y="2299354"/>
+              <a:ext cx="247653" cy="212198"/>
+            </a:xfrm>
+            <a:prstGeom prst="line">
+              <a:avLst/>
+            </a:prstGeom>
+            <a:ln w="38100">
+              <a:headEnd type="stealth" w="lg" len="lg"/>
+            </a:ln>
+          </p:spPr>
+          <p:style>
+            <a:lnRef idx="1">
+              <a:schemeClr val="accent1"/>
+            </a:lnRef>
+            <a:fillRef idx="0">
+              <a:schemeClr val="accent1"/>
+            </a:fillRef>
+            <a:effectRef idx="0">
+              <a:schemeClr val="accent1"/>
+            </a:effectRef>
+            <a:fontRef idx="minor">
+              <a:schemeClr val="tx1"/>
+            </a:fontRef>
+          </p:style>
+        </p:cxnSp>
+      </p:grpSp>
+      <p:sp>
+        <p:nvSpPr>
+          <p:cNvPr id="75" name="TextBox 74"/>
+          <p:cNvSpPr txBox="1"/>
+          <p:nvPr/>
+        </p:nvSpPr>
+        <p:spPr>
+          <a:xfrm rot="16622976">
+            <a:off x="21693563" y="14510782"/>
+            <a:ext cx="1063112" cy="430887"/>
+          </a:xfrm>
+          <a:prstGeom prst="rect">
+            <a:avLst/>
+          </a:prstGeom>
+          <a:noFill/>
+        </p:spPr>
+        <p:txBody>
+          <a:bodyPr wrap="none" rtlCol="0">
+            <a:spAutoFit/>
+          </a:bodyPr>
+          <a:lstStyle/>
+          <a:p>
+            <a:pPr algn="ctr"/>
+            <a:r>
+              <a:rPr lang="ko-KR" altLang="en-US" sz="1100" dirty="0"/>
+              <a:t>등록할</a:t>
+            </a:r>
+            <a:endParaRPr lang="en-US" altLang="ko-KR" sz="1100" dirty="0"/>
+          </a:p>
+          <a:p>
+            <a:pPr algn="ctr"/>
+            <a:r>
+              <a:rPr lang="ko-KR" altLang="en-US" sz="1100" dirty="0"/>
+              <a:t>강의평가 결과</a:t>
+            </a:r>
+          </a:p>
+        </p:txBody>
+      </p:sp>
+      <p:sp>
+        <p:nvSpPr>
+          <p:cNvPr id="76" name="TextBox 75"/>
+          <p:cNvSpPr txBox="1"/>
+          <p:nvPr/>
+        </p:nvSpPr>
+        <p:spPr>
+          <a:xfrm rot="16200000">
+            <a:off x="24852614" y="17598100"/>
+            <a:ext cx="1518364" cy="261610"/>
+          </a:xfrm>
+          <a:prstGeom prst="rect">
+            <a:avLst/>
+          </a:prstGeom>
+          <a:noFill/>
+        </p:spPr>
+        <p:txBody>
+          <a:bodyPr wrap="none" rtlCol="0">
+            <a:spAutoFit/>
+          </a:bodyPr>
+          <a:lstStyle/>
+          <a:p>
+            <a:pPr algn="ctr"/>
+            <a:r>
+              <a:rPr lang="ko-KR" altLang="en-US" sz="1100" dirty="0"/>
+              <a:t>강의평가 질문 리스트</a:t>
+            </a:r>
+          </a:p>
+        </p:txBody>
+      </p:sp>
+      <p:grpSp>
+        <p:nvGrpSpPr>
+          <p:cNvPr id="78" name="그룹 77"/>
+          <p:cNvGrpSpPr/>
+          <p:nvPr/>
+        </p:nvGrpSpPr>
+        <p:grpSpPr>
+          <a:xfrm rot="3135742">
+            <a:off x="25657964" y="17552935"/>
+            <a:ext cx="620391" cy="573119"/>
+            <a:chOff x="5764817" y="2081712"/>
+            <a:chExt cx="465295" cy="429840"/>
+          </a:xfrm>
+        </p:grpSpPr>
+        <p:sp>
+          <p:nvSpPr>
+            <p:cNvPr id="79" name="타원 78"/>
+            <p:cNvSpPr/>
+            <p:nvPr/>
+          </p:nvSpPr>
+          <p:spPr>
+            <a:xfrm>
+              <a:off x="5764817" y="2081712"/>
+              <a:ext cx="254984" cy="254984"/>
+            </a:xfrm>
+            <a:prstGeom prst="ellipse">
+              <a:avLst/>
+            </a:prstGeom>
+            <a:noFill/>
+            <a:ln w="38100">
+              <a:solidFill>
+                <a:schemeClr val="accent1"/>
+              </a:solidFill>
+            </a:ln>
+          </p:spPr>
+          <p:style>
+            <a:lnRef idx="2">
+              <a:schemeClr val="accent1">
+                <a:shade val="50000"/>
+              </a:schemeClr>
+            </a:lnRef>
+            <a:fillRef idx="1">
+              <a:schemeClr val="accent1"/>
+            </a:fillRef>
+            <a:effectRef idx="0">
+              <a:schemeClr val="accent1"/>
+            </a:effectRef>
+            <a:fontRef idx="minor">
+              <a:schemeClr val="lt1"/>
+            </a:fontRef>
+          </p:style>
+          <p:txBody>
+            <a:bodyPr rtlCol="0" anchor="ctr"/>
+            <a:lstStyle/>
+            <a:p>
+              <a:pPr algn="ctr"/>
+              <a:endParaRPr lang="ko-KR" altLang="en-US" sz="700"/>
+            </a:p>
+          </p:txBody>
+        </p:sp>
+        <p:cxnSp>
+          <p:nvCxnSpPr>
+            <p:cNvPr id="80" name="직선 연결선 79"/>
+            <p:cNvCxnSpPr>
+              <a:endCxn id="79" idx="5"/>
+            </p:cNvCxnSpPr>
+            <p:nvPr/>
+          </p:nvCxnSpPr>
+          <p:spPr>
+            <a:xfrm flipH="1" flipV="1">
+              <a:off x="5982459" y="2299354"/>
+              <a:ext cx="247653" cy="212198"/>
+            </a:xfrm>
+            <a:prstGeom prst="line">
+              <a:avLst/>
+            </a:prstGeom>
+            <a:ln w="38100">
+              <a:headEnd type="stealth" w="lg" len="lg"/>
+            </a:ln>
+          </p:spPr>
+          <p:style>
+            <a:lnRef idx="1">
+              <a:schemeClr val="accent1"/>
+            </a:lnRef>
+            <a:fillRef idx="0">
+              <a:schemeClr val="accent1"/>
+            </a:fillRef>
+            <a:effectRef idx="0">
+              <a:schemeClr val="accent1"/>
+            </a:effectRef>
+            <a:fontRef idx="minor">
+              <a:schemeClr val="tx1"/>
+            </a:fontRef>
+          </p:style>
+        </p:cxnSp>
+      </p:grpSp>
+      <p:sp>
+        <p:nvSpPr>
+          <p:cNvPr id="81" name="TextBox 80"/>
+          <p:cNvSpPr txBox="1"/>
+          <p:nvPr/>
+        </p:nvSpPr>
+        <p:spPr>
+          <a:xfrm rot="2256114">
+            <a:off x="23540344" y="14914722"/>
+            <a:ext cx="1518364" cy="261610"/>
+          </a:xfrm>
+          <a:prstGeom prst="rect">
+            <a:avLst/>
+          </a:prstGeom>
+          <a:noFill/>
+        </p:spPr>
+        <p:txBody>
+          <a:bodyPr wrap="none" rtlCol="0">
+            <a:spAutoFit/>
+          </a:bodyPr>
+          <a:lstStyle/>
+          <a:p>
+            <a:pPr algn="ctr"/>
+            <a:r>
+              <a:rPr lang="ko-KR" altLang="en-US" sz="1100" dirty="0"/>
+              <a:t>강의평가 질문 리스트</a:t>
+            </a:r>
+          </a:p>
+        </p:txBody>
+      </p:sp>
+      <p:grpSp>
+        <p:nvGrpSpPr>
+          <p:cNvPr id="82" name="그룹 81"/>
+          <p:cNvGrpSpPr/>
+          <p:nvPr/>
+        </p:nvGrpSpPr>
+        <p:grpSpPr>
+          <a:xfrm rot="21235543">
+            <a:off x="24207392" y="14528689"/>
+            <a:ext cx="620391" cy="573119"/>
+            <a:chOff x="5764817" y="2081712"/>
+            <a:chExt cx="465295" cy="429840"/>
+          </a:xfrm>
+        </p:grpSpPr>
+        <p:sp>
+          <p:nvSpPr>
+            <p:cNvPr id="83" name="타원 82"/>
+            <p:cNvSpPr/>
+            <p:nvPr/>
+          </p:nvSpPr>
+          <p:spPr>
+            <a:xfrm>
+              <a:off x="5764817" y="2081712"/>
+              <a:ext cx="254984" cy="254984"/>
+            </a:xfrm>
+            <a:prstGeom prst="ellipse">
+              <a:avLst/>
+            </a:prstGeom>
+            <a:noFill/>
+            <a:ln w="38100">
+              <a:solidFill>
+                <a:schemeClr val="accent1"/>
+              </a:solidFill>
+            </a:ln>
+          </p:spPr>
+          <p:style>
+            <a:lnRef idx="2">
+              <a:schemeClr val="accent1">
+                <a:shade val="50000"/>
+              </a:schemeClr>
+            </a:lnRef>
+            <a:fillRef idx="1">
+              <a:schemeClr val="accent1"/>
+            </a:fillRef>
+            <a:effectRef idx="0">
+              <a:schemeClr val="accent1"/>
+            </a:effectRef>
+            <a:fontRef idx="minor">
+              <a:schemeClr val="lt1"/>
+            </a:fontRef>
+          </p:style>
+          <p:txBody>
+            <a:bodyPr rtlCol="0" anchor="ctr"/>
+            <a:lstStyle/>
+            <a:p>
+              <a:pPr algn="ctr"/>
+              <a:endParaRPr lang="ko-KR" altLang="en-US" sz="700"/>
+            </a:p>
+          </p:txBody>
+        </p:sp>
+        <p:cxnSp>
+          <p:nvCxnSpPr>
+            <p:cNvPr id="84" name="직선 연결선 83"/>
+            <p:cNvCxnSpPr>
+              <a:endCxn id="83" idx="5"/>
+            </p:cNvCxnSpPr>
+            <p:nvPr/>
+          </p:nvCxnSpPr>
+          <p:spPr>
+            <a:xfrm flipH="1" flipV="1">
+              <a:off x="5982459" y="2299354"/>
+              <a:ext cx="247653" cy="212198"/>
+            </a:xfrm>
+            <a:prstGeom prst="line">
+              <a:avLst/>
+            </a:prstGeom>
+            <a:ln w="38100">
+              <a:headEnd type="stealth" w="lg" len="lg"/>
+            </a:ln>
+          </p:spPr>
+          <p:style>
+            <a:lnRef idx="1">
+              <a:schemeClr val="accent1"/>
+            </a:lnRef>
+            <a:fillRef idx="0">
+              <a:schemeClr val="accent1"/>
+            </a:fillRef>
+            <a:effectRef idx="0">
+              <a:schemeClr val="accent1"/>
+            </a:effectRef>
+            <a:fontRef idx="minor">
+              <a:schemeClr val="tx1"/>
+            </a:fontRef>
+          </p:style>
+        </p:cxnSp>
+      </p:grpSp>
+      <p:sp>
+        <p:nvSpPr>
+          <p:cNvPr id="85" name="TextBox 84"/>
+          <p:cNvSpPr txBox="1"/>
+          <p:nvPr/>
+        </p:nvSpPr>
+        <p:spPr>
+          <a:xfrm rot="19514763">
+            <a:off x="21032406" y="14848446"/>
+            <a:ext cx="922047" cy="430887"/>
+          </a:xfrm>
+          <a:prstGeom prst="rect">
+            <a:avLst/>
+          </a:prstGeom>
+          <a:noFill/>
+        </p:spPr>
+        <p:txBody>
+          <a:bodyPr wrap="none" rtlCol="0">
+            <a:spAutoFit/>
+          </a:bodyPr>
+          <a:lstStyle/>
+          <a:p>
+            <a:pPr algn="ctr"/>
+            <a:r>
+              <a:rPr lang="ko-KR" altLang="en-US" sz="1100" dirty="0" smtClean="0"/>
+              <a:t>강의평가</a:t>
+            </a:r>
+            <a:endParaRPr lang="en-US" altLang="ko-KR" sz="1100" dirty="0" smtClean="0"/>
+          </a:p>
+          <a:p>
+            <a:pPr algn="ctr"/>
+            <a:r>
+              <a:rPr lang="ko-KR" altLang="en-US" sz="1100" dirty="0" smtClean="0"/>
+              <a:t>질문 </a:t>
+            </a:r>
+            <a:r>
+              <a:rPr lang="ko-KR" altLang="en-US" sz="1100" dirty="0"/>
+              <a:t>리스트</a:t>
+            </a:r>
+          </a:p>
+        </p:txBody>
+      </p:sp>
+      <p:grpSp>
+        <p:nvGrpSpPr>
+          <p:cNvPr id="86" name="그룹 85"/>
+          <p:cNvGrpSpPr/>
+          <p:nvPr/>
+        </p:nvGrpSpPr>
+        <p:grpSpPr>
+          <a:xfrm rot="17265840">
+            <a:off x="20989225" y="14442540"/>
+            <a:ext cx="620391" cy="573119"/>
+            <a:chOff x="5764817" y="2081712"/>
+            <a:chExt cx="465295" cy="429840"/>
+          </a:xfrm>
+        </p:grpSpPr>
+        <p:sp>
+          <p:nvSpPr>
+            <p:cNvPr id="87" name="타원 86"/>
+            <p:cNvSpPr/>
+            <p:nvPr/>
+          </p:nvSpPr>
+          <p:spPr>
+            <a:xfrm>
+              <a:off x="5764817" y="2081712"/>
+              <a:ext cx="254984" cy="254984"/>
+            </a:xfrm>
+            <a:prstGeom prst="ellipse">
+              <a:avLst/>
+            </a:prstGeom>
+            <a:noFill/>
+            <a:ln w="38100">
+              <a:solidFill>
+                <a:schemeClr val="accent1"/>
+              </a:solidFill>
+            </a:ln>
+          </p:spPr>
+          <p:style>
+            <a:lnRef idx="2">
+              <a:schemeClr val="accent1">
+                <a:shade val="50000"/>
+              </a:schemeClr>
+            </a:lnRef>
+            <a:fillRef idx="1">
+              <a:schemeClr val="accent1"/>
+            </a:fillRef>
+            <a:effectRef idx="0">
+              <a:schemeClr val="accent1"/>
+            </a:effectRef>
+            <a:fontRef idx="minor">
+              <a:schemeClr val="lt1"/>
+            </a:fontRef>
+          </p:style>
+          <p:txBody>
+            <a:bodyPr rtlCol="0" anchor="ctr"/>
+            <a:lstStyle/>
+            <a:p>
+              <a:pPr algn="ctr"/>
+              <a:endParaRPr lang="ko-KR" altLang="en-US" sz="700"/>
+            </a:p>
+          </p:txBody>
+        </p:sp>
+        <p:cxnSp>
+          <p:nvCxnSpPr>
+            <p:cNvPr id="88" name="직선 연결선 87"/>
+            <p:cNvCxnSpPr>
+              <a:endCxn id="87" idx="5"/>
+            </p:cNvCxnSpPr>
+            <p:nvPr/>
+          </p:nvCxnSpPr>
+          <p:spPr>
+            <a:xfrm flipH="1" flipV="1">
+              <a:off x="5982459" y="2299354"/>
+              <a:ext cx="247653" cy="212198"/>
+            </a:xfrm>
+            <a:prstGeom prst="line">
+              <a:avLst/>
+            </a:prstGeom>
+            <a:ln w="38100">
+              <a:headEnd type="stealth" w="lg" len="lg"/>
+            </a:ln>
+          </p:spPr>
+          <p:style>
+            <a:lnRef idx="1">
+              <a:schemeClr val="accent1"/>
+            </a:lnRef>
+            <a:fillRef idx="0">
+              <a:schemeClr val="accent1"/>
+            </a:fillRef>
+            <a:effectRef idx="0">
+              <a:schemeClr val="accent1"/>
+            </a:effectRef>
+            <a:fontRef idx="minor">
+              <a:schemeClr val="tx1"/>
+            </a:fontRef>
+          </p:style>
+        </p:cxnSp>
+      </p:grpSp>
+      <p:sp>
+        <p:nvSpPr>
+          <p:cNvPr id="89" name="TextBox 88"/>
+          <p:cNvSpPr txBox="1"/>
+          <p:nvPr/>
+        </p:nvSpPr>
+        <p:spPr>
+          <a:xfrm rot="19923451">
+            <a:off x="20118805" y="15322460"/>
+            <a:ext cx="1063112" cy="430887"/>
+          </a:xfrm>
+          <a:prstGeom prst="rect">
+            <a:avLst/>
+          </a:prstGeom>
+          <a:noFill/>
+        </p:spPr>
+        <p:txBody>
+          <a:bodyPr wrap="none" rtlCol="0">
+            <a:spAutoFit/>
+          </a:bodyPr>
+          <a:lstStyle/>
+          <a:p>
+            <a:pPr algn="ctr"/>
+            <a:r>
+              <a:rPr lang="ko-KR" altLang="en-US" sz="1100" dirty="0"/>
+              <a:t>등록할 </a:t>
+            </a:r>
+            <a:endParaRPr lang="en-US" altLang="ko-KR" sz="1100" dirty="0" smtClean="0"/>
+          </a:p>
+          <a:p>
+            <a:pPr algn="ctr"/>
+            <a:r>
+              <a:rPr lang="ko-KR" altLang="en-US" sz="1100" dirty="0" smtClean="0"/>
+              <a:t>강의평가 </a:t>
+            </a:r>
+            <a:r>
+              <a:rPr lang="ko-KR" altLang="en-US" sz="1100" dirty="0"/>
+              <a:t>결과</a:t>
+            </a:r>
+          </a:p>
+        </p:txBody>
+      </p:sp>
+      <p:grpSp>
+        <p:nvGrpSpPr>
+          <p:cNvPr id="93" name="그룹 92"/>
+          <p:cNvGrpSpPr/>
+          <p:nvPr/>
+        </p:nvGrpSpPr>
+        <p:grpSpPr>
+          <a:xfrm rot="17265840">
+            <a:off x="20141923" y="14855789"/>
+            <a:ext cx="620391" cy="573119"/>
+            <a:chOff x="5764817" y="2081712"/>
+            <a:chExt cx="465295" cy="429840"/>
+          </a:xfrm>
+        </p:grpSpPr>
+        <p:sp>
+          <p:nvSpPr>
+            <p:cNvPr id="94" name="타원 93"/>
+            <p:cNvSpPr/>
+            <p:nvPr/>
+          </p:nvSpPr>
+          <p:spPr>
+            <a:xfrm>
+              <a:off x="5764817" y="2081712"/>
+              <a:ext cx="254984" cy="254984"/>
+            </a:xfrm>
+            <a:prstGeom prst="ellipse">
+              <a:avLst/>
+            </a:prstGeom>
+            <a:noFill/>
+            <a:ln w="38100">
+              <a:solidFill>
+                <a:schemeClr val="accent1"/>
+              </a:solidFill>
+            </a:ln>
+          </p:spPr>
+          <p:style>
+            <a:lnRef idx="2">
+              <a:schemeClr val="accent1">
+                <a:shade val="50000"/>
+              </a:schemeClr>
+            </a:lnRef>
+            <a:fillRef idx="1">
+              <a:schemeClr val="accent1"/>
+            </a:fillRef>
+            <a:effectRef idx="0">
+              <a:schemeClr val="accent1"/>
+            </a:effectRef>
+            <a:fontRef idx="minor">
+              <a:schemeClr val="lt1"/>
+            </a:fontRef>
+          </p:style>
+          <p:txBody>
+            <a:bodyPr rtlCol="0" anchor="ctr"/>
+            <a:lstStyle/>
+            <a:p>
+              <a:pPr algn="ctr"/>
+              <a:endParaRPr lang="ko-KR" altLang="en-US" sz="700"/>
+            </a:p>
+          </p:txBody>
+        </p:sp>
+        <p:cxnSp>
+          <p:nvCxnSpPr>
+            <p:cNvPr id="95" name="직선 연결선 94"/>
+            <p:cNvCxnSpPr>
+              <a:endCxn id="94" idx="5"/>
+            </p:cNvCxnSpPr>
+            <p:nvPr/>
+          </p:nvCxnSpPr>
+          <p:spPr>
+            <a:xfrm flipH="1" flipV="1">
+              <a:off x="5982459" y="2299354"/>
+              <a:ext cx="247653" cy="212198"/>
+            </a:xfrm>
+            <a:prstGeom prst="line">
+              <a:avLst/>
+            </a:prstGeom>
+            <a:ln w="38100">
+              <a:headEnd type="stealth" w="lg" len="lg"/>
+            </a:ln>
+          </p:spPr>
+          <p:style>
+            <a:lnRef idx="1">
+              <a:schemeClr val="accent1"/>
+            </a:lnRef>
+            <a:fillRef idx="0">
+              <a:schemeClr val="accent1"/>
+            </a:fillRef>
+            <a:effectRef idx="0">
+              <a:schemeClr val="accent1"/>
+            </a:effectRef>
+            <a:fontRef idx="minor">
+              <a:schemeClr val="tx1"/>
+            </a:fontRef>
+          </p:style>
+        </p:cxnSp>
+      </p:grpSp>
     </p:spTree>
     <p:extLst>
       <p:ext uri="{BB962C8B-B14F-4D97-AF65-F5344CB8AC3E}">

--- a/SDD 관련 자료/작업 결과물/프로그램 구조도(트랜스폼, 트랜젝션)/강의평가 수행.pptx
+++ b/SDD 관련 자료/작업 결과물/프로그램 구조도(트랜스폼, 트랜젝션)/강의평가 수행.pptx
@@ -3050,7 +3050,7 @@
         </p:nvSpPr>
         <p:spPr>
           <a:xfrm>
-            <a:off x="18694068" y="19004526"/>
+            <a:off x="17936398" y="19073066"/>
             <a:ext cx="1474304" cy="968175"/>
           </a:xfrm>
           <a:prstGeom prst="rect">
@@ -3108,8 +3108,8 @@
         </p:nvCxnSpPr>
         <p:spPr>
           <a:xfrm flipH="1">
-            <a:off x="19431220" y="16363602"/>
-            <a:ext cx="1518092" cy="2640924"/>
+            <a:off x="18673550" y="16442433"/>
+            <a:ext cx="566299" cy="2630633"/>
           </a:xfrm>
           <a:prstGeom prst="straightConnector1">
             <a:avLst/>
@@ -3138,14 +3138,15 @@
         <p:nvCxnSpPr>
           <p:cNvPr id="7" name="직선 화살표 연결선 6"/>
           <p:cNvCxnSpPr>
+            <a:stCxn id="45" idx="2"/>
             <a:endCxn id="66" idx="0"/>
           </p:cNvCxnSpPr>
           <p:nvPr/>
         </p:nvCxnSpPr>
         <p:spPr>
           <a:xfrm>
-            <a:off x="24862484" y="16493359"/>
-            <a:ext cx="2136601" cy="2574953"/>
+            <a:off x="23002852" y="16483068"/>
+            <a:ext cx="1612877" cy="2589998"/>
           </a:xfrm>
           <a:prstGeom prst="straightConnector1">
             <a:avLst/>
@@ -3180,8 +3181,8 @@
         </p:nvCxnSpPr>
         <p:spPr>
           <a:xfrm flipH="1">
-            <a:off x="17770125" y="16363602"/>
-            <a:ext cx="2840023" cy="2640924"/>
+            <a:off x="17012455" y="16442433"/>
+            <a:ext cx="1798703" cy="2630633"/>
           </a:xfrm>
           <a:prstGeom prst="straightConnector1">
             <a:avLst/>
@@ -3214,7 +3215,7 @@
         </p:nvSpPr>
         <p:spPr>
           <a:xfrm>
-            <a:off x="22937429" y="19068312"/>
+            <a:off x="26204498" y="19058020"/>
             <a:ext cx="1201974" cy="968175"/>
           </a:xfrm>
           <a:prstGeom prst="rect">
@@ -3285,7 +3286,7 @@
         </p:nvSpPr>
         <p:spPr>
           <a:xfrm>
-            <a:off x="20355734" y="19004526"/>
+            <a:off x="19598064" y="19073066"/>
             <a:ext cx="1389337" cy="968175"/>
           </a:xfrm>
           <a:prstGeom prst="rect">
@@ -3340,7 +3341,7 @@
         </p:nvSpPr>
         <p:spPr>
           <a:xfrm>
-            <a:off x="24601215" y="19071300"/>
+            <a:off x="22217859" y="19076054"/>
             <a:ext cx="1422490" cy="968175"/>
           </a:xfrm>
           <a:prstGeom prst="rect">
@@ -3391,14 +3392,15 @@
         <p:nvCxnSpPr>
           <p:cNvPr id="29" name="직선 화살표 연결선 28"/>
           <p:cNvCxnSpPr>
+            <a:stCxn id="54" idx="2"/>
             <a:endCxn id="18" idx="0"/>
           </p:cNvCxnSpPr>
           <p:nvPr/>
         </p:nvCxnSpPr>
         <p:spPr>
           <a:xfrm flipH="1">
-            <a:off x="23538416" y="16493359"/>
-            <a:ext cx="652573" cy="2574953"/>
+            <a:off x="26805485" y="16427388"/>
+            <a:ext cx="1" cy="2630632"/>
           </a:xfrm>
           <a:prstGeom prst="straightConnector1">
             <a:avLst/>
@@ -3431,7 +3433,7 @@
         </p:nvSpPr>
         <p:spPr>
           <a:xfrm>
-            <a:off x="20264581" y="15395427"/>
+            <a:off x="18555118" y="15474258"/>
             <a:ext cx="1369461" cy="968175"/>
           </a:xfrm>
           <a:prstGeom prst="rect">
@@ -3518,8 +3520,8 @@
         </p:nvCxnSpPr>
         <p:spPr>
           <a:xfrm flipH="1">
-            <a:off x="20949312" y="13548917"/>
-            <a:ext cx="2053540" cy="1846510"/>
+            <a:off x="19239849" y="13548917"/>
+            <a:ext cx="3763003" cy="1925341"/>
           </a:xfrm>
           <a:prstGeom prst="straightConnector1">
             <a:avLst/>
@@ -3552,7 +3554,7 @@
         </p:nvSpPr>
         <p:spPr>
           <a:xfrm>
-            <a:off x="23792988" y="15525184"/>
+            <a:off x="22281712" y="15514893"/>
             <a:ext cx="1442279" cy="968175"/>
           </a:xfrm>
           <a:prstGeom prst="rect">
@@ -3640,7 +3642,7 @@
         <p:spPr>
           <a:xfrm>
             <a:off x="23002852" y="13548917"/>
-            <a:ext cx="1511276" cy="1976267"/>
+            <a:ext cx="0" cy="1965976"/>
           </a:xfrm>
           <a:prstGeom prst="straightConnector1">
             <a:avLst/>
@@ -3673,7 +3675,7 @@
         </p:nvSpPr>
         <p:spPr>
           <a:xfrm>
-            <a:off x="26343230" y="19068312"/>
+            <a:off x="23959874" y="19073066"/>
             <a:ext cx="1311710" cy="968175"/>
           </a:xfrm>
           <a:prstGeom prst="rect">
@@ -3751,7 +3753,7 @@
         </p:nvSpPr>
         <p:spPr>
           <a:xfrm>
-            <a:off x="17112119" y="19004526"/>
+            <a:off x="16354449" y="19073066"/>
             <a:ext cx="1316012" cy="968175"/>
           </a:xfrm>
           <a:prstGeom prst="rect">
@@ -3830,9 +3832,9 @@
           <p:nvPr/>
         </p:nvCxnSpPr>
         <p:spPr>
-          <a:xfrm flipH="1">
-            <a:off x="21050403" y="16363602"/>
-            <a:ext cx="211412" cy="2640924"/>
+          <a:xfrm>
+            <a:off x="19615159" y="16442433"/>
+            <a:ext cx="677574" cy="2630633"/>
           </a:xfrm>
           <a:prstGeom prst="straightConnector1">
             <a:avLst/>
@@ -3867,9 +3869,9 @@
           <p:nvPr/>
         </p:nvCxnSpPr>
         <p:spPr>
-          <a:xfrm>
-            <a:off x="24514128" y="16493359"/>
-            <a:ext cx="798332" cy="2577941"/>
+          <a:xfrm flipH="1">
+            <a:off x="22929104" y="16483068"/>
+            <a:ext cx="73748" cy="2592986"/>
           </a:xfrm>
           <a:prstGeom prst="straightConnector1">
             <a:avLst/>
@@ -3901,8 +3903,8 @@
           <p:nvPr/>
         </p:nvGrpSpPr>
         <p:grpSpPr>
-          <a:xfrm rot="15513896">
-            <a:off x="19352912" y="17928312"/>
+          <a:xfrm rot="14130503">
+            <a:off x="18821022" y="17768811"/>
             <a:ext cx="620391" cy="573119"/>
             <a:chOff x="5764817" y="2081712"/>
             <a:chExt cx="465295" cy="429840"/>
@@ -3992,109 +3994,13 @@
       </p:grpSp>
       <p:grpSp>
         <p:nvGrpSpPr>
-          <p:cNvPr id="24" name="그룹 23"/>
-          <p:cNvGrpSpPr/>
-          <p:nvPr/>
-        </p:nvGrpSpPr>
-        <p:grpSpPr>
-          <a:xfrm rot="14803764">
-            <a:off x="23276712" y="17618445"/>
-            <a:ext cx="620391" cy="573119"/>
-            <a:chOff x="5764817" y="2081712"/>
-            <a:chExt cx="465295" cy="429840"/>
-          </a:xfrm>
-        </p:grpSpPr>
-        <p:sp>
-          <p:nvSpPr>
-            <p:cNvPr id="25" name="타원 24"/>
-            <p:cNvSpPr/>
-            <p:nvPr/>
-          </p:nvSpPr>
-          <p:spPr>
-            <a:xfrm>
-              <a:off x="5764817" y="2081712"/>
-              <a:ext cx="254984" cy="254984"/>
-            </a:xfrm>
-            <a:prstGeom prst="ellipse">
-              <a:avLst/>
-            </a:prstGeom>
-            <a:noFill/>
-            <a:ln w="38100">
-              <a:solidFill>
-                <a:schemeClr val="accent1"/>
-              </a:solidFill>
-            </a:ln>
-          </p:spPr>
-          <p:style>
-            <a:lnRef idx="2">
-              <a:schemeClr val="accent1">
-                <a:shade val="50000"/>
-              </a:schemeClr>
-            </a:lnRef>
-            <a:fillRef idx="1">
-              <a:schemeClr val="accent1"/>
-            </a:fillRef>
-            <a:effectRef idx="0">
-              <a:schemeClr val="accent1"/>
-            </a:effectRef>
-            <a:fontRef idx="minor">
-              <a:schemeClr val="lt1"/>
-            </a:fontRef>
-          </p:style>
-          <p:txBody>
-            <a:bodyPr rtlCol="0" anchor="ctr"/>
-            <a:lstStyle/>
-            <a:p>
-              <a:pPr algn="ctr"/>
-              <a:endParaRPr lang="ko-KR" altLang="en-US" sz="700"/>
-            </a:p>
-          </p:txBody>
-        </p:sp>
-        <p:cxnSp>
-          <p:nvCxnSpPr>
-            <p:cNvPr id="26" name="직선 연결선 25"/>
-            <p:cNvCxnSpPr>
-              <a:endCxn id="25" idx="5"/>
-            </p:cNvCxnSpPr>
-            <p:nvPr/>
-          </p:nvCxnSpPr>
-          <p:spPr>
-            <a:xfrm flipH="1" flipV="1">
-              <a:off x="5982459" y="2299354"/>
-              <a:ext cx="247653" cy="212198"/>
-            </a:xfrm>
-            <a:prstGeom prst="line">
-              <a:avLst/>
-            </a:prstGeom>
-            <a:ln w="38100">
-              <a:headEnd type="stealth" w="lg" len="lg"/>
-            </a:ln>
-          </p:spPr>
-          <p:style>
-            <a:lnRef idx="1">
-              <a:schemeClr val="accent1"/>
-            </a:lnRef>
-            <a:fillRef idx="0">
-              <a:schemeClr val="accent1"/>
-            </a:fillRef>
-            <a:effectRef idx="0">
-              <a:schemeClr val="accent1"/>
-            </a:effectRef>
-            <a:fontRef idx="minor">
-              <a:schemeClr val="tx1"/>
-            </a:fontRef>
-          </p:style>
-        </p:cxnSp>
-      </p:grpSp>
-      <p:grpSp>
-        <p:nvGrpSpPr>
           <p:cNvPr id="27" name="그룹 26"/>
           <p:cNvGrpSpPr/>
           <p:nvPr/>
         </p:nvGrpSpPr>
         <p:grpSpPr>
-          <a:xfrm rot="12528702">
-            <a:off x="25021465" y="17990607"/>
+          <a:xfrm rot="13699943">
+            <a:off x="22877603" y="17798056"/>
             <a:ext cx="620391" cy="573119"/>
             <a:chOff x="5764817" y="2081712"/>
             <a:chExt cx="465295" cy="429840"/>
@@ -4189,8 +4095,8 @@
           <p:nvPr/>
         </p:nvSpPr>
         <p:spPr>
-          <a:xfrm rot="4078894">
-            <a:off x="24854919" y="17915749"/>
+          <a:xfrm rot="5250135">
+            <a:off x="22711057" y="18035713"/>
             <a:ext cx="1518364" cy="261610"/>
           </a:xfrm>
           <a:prstGeom prst="rect">
@@ -4218,9 +4124,9 @@
           <p:nvPr/>
         </p:nvSpPr>
         <p:spPr>
-          <a:xfrm rot="19076103">
-            <a:off x="17595912" y="17471159"/>
-            <a:ext cx="1518364" cy="261610"/>
+          <a:xfrm rot="18709930">
+            <a:off x="17769965" y="18277634"/>
+            <a:ext cx="922047" cy="430887"/>
           </a:xfrm>
           <a:prstGeom prst="rect">
             <a:avLst/>
@@ -4235,8 +4141,20 @@
           <a:p>
             <a:pPr algn="ctr"/>
             <a:r>
+              <a:rPr lang="ko-KR" altLang="en-US" sz="1100" dirty="0" smtClean="0"/>
+              <a:t>강의평가</a:t>
+            </a:r>
+            <a:endParaRPr lang="en-US" altLang="ko-KR" sz="1100" dirty="0" smtClean="0"/>
+          </a:p>
+          <a:p>
+            <a:pPr algn="ctr"/>
+            <a:r>
+              <a:rPr lang="ko-KR" altLang="en-US" sz="1100" dirty="0" smtClean="0"/>
+              <a:t>질문 </a:t>
+            </a:r>
+            <a:r>
               <a:rPr lang="ko-KR" altLang="en-US" sz="1100" dirty="0"/>
-              <a:t>강의평가 질문 리스트</a:t>
+              <a:t>리스트</a:t>
             </a:r>
           </a:p>
         </p:txBody>
@@ -4248,8 +4166,8 @@
           <p:nvPr/>
         </p:nvGrpSpPr>
         <p:grpSpPr>
-          <a:xfrm rot="16580021">
-            <a:off x="18294298" y="17571333"/>
+          <a:xfrm rot="15986055">
+            <a:off x="17683895" y="17828618"/>
             <a:ext cx="620391" cy="573119"/>
             <a:chOff x="5764817" y="2081712"/>
             <a:chExt cx="465295" cy="429840"/>
@@ -4344,8 +4262,8 @@
           <p:nvPr/>
         </p:nvSpPr>
         <p:spPr>
-          <a:xfrm rot="18125407">
-            <a:off x="18827001" y="17790742"/>
+          <a:xfrm rot="5235270">
+            <a:off x="18920924" y="17954644"/>
             <a:ext cx="1063112" cy="430887"/>
           </a:xfrm>
           <a:prstGeom prst="rect">
@@ -4371,44 +4289,6 @@
             <a:r>
               <a:rPr lang="ko-KR" altLang="en-US" sz="1100" dirty="0"/>
               <a:t>입력 정보</a:t>
-            </a:r>
-          </a:p>
-        </p:txBody>
-      </p:sp>
-      <p:sp>
-        <p:nvSpPr>
-          <p:cNvPr id="37" name="TextBox 36"/>
-          <p:cNvSpPr txBox="1"/>
-          <p:nvPr/>
-        </p:nvSpPr>
-        <p:spPr>
-          <a:xfrm rot="17677972">
-            <a:off x="22567330" y="17562939"/>
-            <a:ext cx="1204176" cy="430887"/>
-          </a:xfrm>
-          <a:prstGeom prst="rect">
-            <a:avLst/>
-          </a:prstGeom>
-          <a:noFill/>
-        </p:spPr>
-        <p:txBody>
-          <a:bodyPr wrap="none" rtlCol="0">
-            <a:spAutoFit/>
-          </a:bodyPr>
-          <a:lstStyle/>
-          <a:p>
-            <a:pPr algn="ctr"/>
-            <a:r>
-              <a:rPr lang="ko-KR" altLang="en-US" sz="1100" dirty="0"/>
-              <a:t>구성된 </a:t>
-            </a:r>
-            <a:endParaRPr lang="en-US" altLang="ko-KR" sz="1100" dirty="0"/>
-          </a:p>
-          <a:p>
-            <a:pPr algn="ctr"/>
-            <a:r>
-              <a:rPr lang="ko-KR" altLang="en-US" sz="1100" dirty="0"/>
-              <a:t>강의평가 질문지</a:t>
             </a:r>
           </a:p>
         </p:txBody>
@@ -4420,8 +4300,8 @@
           <p:nvPr/>
         </p:nvGrpSpPr>
         <p:grpSpPr>
-          <a:xfrm rot="1594621">
-            <a:off x="24458727" y="17741160"/>
+          <a:xfrm rot="2765862">
+            <a:off x="22314865" y="17548609"/>
             <a:ext cx="620391" cy="573119"/>
             <a:chOff x="5764817" y="2081712"/>
             <a:chExt cx="465295" cy="429840"/>
@@ -4516,8 +4396,8 @@
           <p:nvPr/>
         </p:nvSpPr>
         <p:spPr>
-          <a:xfrm rot="4490055">
-            <a:off x="23871278" y="18027383"/>
+          <a:xfrm rot="16721273">
+            <a:off x="21669383" y="17627401"/>
             <a:ext cx="1063112" cy="430887"/>
           </a:xfrm>
           <a:prstGeom prst="rect">
@@ -4554,8 +4434,8 @@
           <p:nvPr/>
         </p:nvSpPr>
         <p:spPr>
-          <a:xfrm rot="16586401">
-            <a:off x="19802347" y="17999161"/>
+          <a:xfrm rot="4058006">
+            <a:off x="19769124" y="17707509"/>
             <a:ext cx="1518364" cy="261610"/>
           </a:xfrm>
           <a:prstGeom prst="rect">
@@ -4583,8 +4463,8 @@
           <p:nvPr/>
         </p:nvGrpSpPr>
         <p:grpSpPr>
-          <a:xfrm rot="3159231">
-            <a:off x="20576749" y="17672778"/>
+          <a:xfrm rot="12801679">
+            <a:off x="19884676" y="17522611"/>
             <a:ext cx="620391" cy="573119"/>
             <a:chOff x="5764817" y="2081712"/>
             <a:chExt cx="465295" cy="429840"/>
@@ -4679,8 +4559,8 @@
           <p:nvPr/>
         </p:nvGrpSpPr>
         <p:grpSpPr>
-          <a:xfrm rot="634582">
-            <a:off x="26044182" y="17605133"/>
+          <a:xfrm rot="1177887">
+            <a:off x="23919744" y="17646303"/>
             <a:ext cx="620391" cy="573119"/>
             <a:chOff x="5764817" y="2081712"/>
             <a:chExt cx="465295" cy="429840"/>
@@ -4775,8 +4655,8 @@
           <p:nvPr/>
         </p:nvSpPr>
         <p:spPr>
-          <a:xfrm rot="3033934">
-            <a:off x="25967189" y="17659946"/>
+          <a:xfrm rot="3577239">
+            <a:off x="23842751" y="17701116"/>
             <a:ext cx="1518364" cy="261610"/>
           </a:xfrm>
           <a:prstGeom prst="rect">
@@ -4797,6 +4677,817 @@
           </a:p>
         </p:txBody>
       </p:sp>
+      <p:sp>
+        <p:nvSpPr>
+          <p:cNvPr id="54" name="직사각형 53"/>
+          <p:cNvSpPr/>
+          <p:nvPr/>
+        </p:nvSpPr>
+        <p:spPr>
+          <a:xfrm>
+            <a:off x="26084346" y="15459213"/>
+            <a:ext cx="1442279" cy="968175"/>
+          </a:xfrm>
+          <a:prstGeom prst="rect">
+            <a:avLst/>
+          </a:prstGeom>
+          <a:noFill/>
+          <a:ln w="31750">
+            <a:solidFill>
+              <a:schemeClr val="accent1">
+                <a:shade val="50000"/>
+              </a:schemeClr>
+            </a:solidFill>
+          </a:ln>
+        </p:spPr>
+        <p:style>
+          <a:lnRef idx="2">
+            <a:schemeClr val="accent1">
+              <a:shade val="50000"/>
+            </a:schemeClr>
+          </a:lnRef>
+          <a:fillRef idx="1">
+            <a:schemeClr val="accent1"/>
+          </a:fillRef>
+          <a:effectRef idx="0">
+            <a:schemeClr val="accent1"/>
+          </a:effectRef>
+          <a:fontRef idx="minor">
+            <a:schemeClr val="lt1"/>
+          </a:fontRef>
+        </p:style>
+        <p:txBody>
+          <a:bodyPr rtlCol="0" anchor="ctr"/>
+          <a:lstStyle/>
+          <a:p>
+            <a:pPr algn="ctr"/>
+            <a:r>
+              <a:rPr lang="ko-KR" altLang="en-US" sz="1100" dirty="0">
+                <a:solidFill>
+                  <a:sysClr val="windowText" lastClr="000000"/>
+                </a:solidFill>
+              </a:rPr>
+              <a:t>강의평가</a:t>
+            </a:r>
+            <a:endParaRPr lang="en-US" altLang="ko-KR" sz="1100" dirty="0">
+              <a:solidFill>
+                <a:sysClr val="windowText" lastClr="000000"/>
+              </a:solidFill>
+            </a:endParaRPr>
+          </a:p>
+          <a:p>
+            <a:pPr algn="ctr"/>
+            <a:r>
+              <a:rPr lang="ko-KR" altLang="en-US" sz="1100" dirty="0">
+                <a:solidFill>
+                  <a:sysClr val="windowText" lastClr="000000"/>
+                </a:solidFill>
+              </a:rPr>
+              <a:t>수행 </a:t>
+            </a:r>
+            <a:r>
+              <a:rPr lang="ko-KR" altLang="en-US" sz="1100" dirty="0" smtClean="0">
+                <a:solidFill>
+                  <a:sysClr val="windowText" lastClr="000000"/>
+                </a:solidFill>
+              </a:rPr>
+              <a:t>출력</a:t>
+            </a:r>
+            <a:endParaRPr lang="ko-KR" altLang="en-US" sz="1100" dirty="0">
+              <a:solidFill>
+                <a:schemeClr val="tx1"/>
+              </a:solidFill>
+            </a:endParaRPr>
+          </a:p>
+        </p:txBody>
+      </p:sp>
+      <p:cxnSp>
+        <p:nvCxnSpPr>
+          <p:cNvPr id="59" name="직선 화살표 연결선 58"/>
+          <p:cNvCxnSpPr>
+            <a:stCxn id="4" idx="2"/>
+            <a:endCxn id="54" idx="0"/>
+          </p:cNvCxnSpPr>
+          <p:nvPr/>
+        </p:nvCxnSpPr>
+        <p:spPr>
+          <a:xfrm>
+            <a:off x="23002852" y="13548917"/>
+            <a:ext cx="3802634" cy="1910296"/>
+          </a:xfrm>
+          <a:prstGeom prst="straightConnector1">
+            <a:avLst/>
+          </a:prstGeom>
+          <a:ln w="38100">
+            <a:headEnd w="lg" len="lg"/>
+            <a:tailEnd type="triangle"/>
+          </a:ln>
+        </p:spPr>
+        <p:style>
+          <a:lnRef idx="1">
+            <a:schemeClr val="accent1"/>
+          </a:lnRef>
+          <a:fillRef idx="0">
+            <a:schemeClr val="accent1"/>
+          </a:fillRef>
+          <a:effectRef idx="0">
+            <a:schemeClr val="accent1"/>
+          </a:effectRef>
+          <a:fontRef idx="minor">
+            <a:schemeClr val="tx1"/>
+          </a:fontRef>
+        </p:style>
+      </p:cxnSp>
+      <p:sp>
+        <p:nvSpPr>
+          <p:cNvPr id="62" name="TextBox 61"/>
+          <p:cNvSpPr txBox="1"/>
+          <p:nvPr/>
+        </p:nvSpPr>
+        <p:spPr>
+          <a:xfrm rot="20084261">
+            <a:off x="21076511" y="14772313"/>
+            <a:ext cx="922047" cy="430887"/>
+          </a:xfrm>
+          <a:prstGeom prst="rect">
+            <a:avLst/>
+          </a:prstGeom>
+          <a:noFill/>
+        </p:spPr>
+        <p:txBody>
+          <a:bodyPr wrap="none" rtlCol="0">
+            <a:spAutoFit/>
+          </a:bodyPr>
+          <a:lstStyle/>
+          <a:p>
+            <a:pPr algn="ctr"/>
+            <a:r>
+              <a:rPr lang="ko-KR" altLang="en-US" sz="1100" dirty="0" smtClean="0"/>
+              <a:t>강의평가</a:t>
+            </a:r>
+            <a:endParaRPr lang="en-US" altLang="ko-KR" sz="1100" dirty="0" smtClean="0"/>
+          </a:p>
+          <a:p>
+            <a:pPr algn="ctr"/>
+            <a:r>
+              <a:rPr lang="ko-KR" altLang="en-US" sz="1100" dirty="0" smtClean="0"/>
+              <a:t>질문 </a:t>
+            </a:r>
+            <a:r>
+              <a:rPr lang="ko-KR" altLang="en-US" sz="1100" dirty="0"/>
+              <a:t>리스트</a:t>
+            </a:r>
+          </a:p>
+        </p:txBody>
+      </p:sp>
+      <p:grpSp>
+        <p:nvGrpSpPr>
+          <p:cNvPr id="63" name="그룹 62"/>
+          <p:cNvGrpSpPr/>
+          <p:nvPr/>
+        </p:nvGrpSpPr>
+        <p:grpSpPr>
+          <a:xfrm rot="17588179">
+            <a:off x="21052774" y="14344327"/>
+            <a:ext cx="620391" cy="573119"/>
+            <a:chOff x="5764817" y="2081712"/>
+            <a:chExt cx="465295" cy="429840"/>
+          </a:xfrm>
+        </p:grpSpPr>
+        <p:sp>
+          <p:nvSpPr>
+            <p:cNvPr id="64" name="타원 63"/>
+            <p:cNvSpPr/>
+            <p:nvPr/>
+          </p:nvSpPr>
+          <p:spPr>
+            <a:xfrm>
+              <a:off x="5764817" y="2081712"/>
+              <a:ext cx="254984" cy="254984"/>
+            </a:xfrm>
+            <a:prstGeom prst="ellipse">
+              <a:avLst/>
+            </a:prstGeom>
+            <a:noFill/>
+            <a:ln w="38100">
+              <a:solidFill>
+                <a:schemeClr val="accent1"/>
+              </a:solidFill>
+            </a:ln>
+          </p:spPr>
+          <p:style>
+            <a:lnRef idx="2">
+              <a:schemeClr val="accent1">
+                <a:shade val="50000"/>
+              </a:schemeClr>
+            </a:lnRef>
+            <a:fillRef idx="1">
+              <a:schemeClr val="accent1"/>
+            </a:fillRef>
+            <a:effectRef idx="0">
+              <a:schemeClr val="accent1"/>
+            </a:effectRef>
+            <a:fontRef idx="minor">
+              <a:schemeClr val="lt1"/>
+            </a:fontRef>
+          </p:style>
+          <p:txBody>
+            <a:bodyPr rtlCol="0" anchor="ctr"/>
+            <a:lstStyle/>
+            <a:p>
+              <a:pPr algn="ctr"/>
+              <a:endParaRPr lang="ko-KR" altLang="en-US" sz="700"/>
+            </a:p>
+          </p:txBody>
+        </p:sp>
+        <p:cxnSp>
+          <p:nvCxnSpPr>
+            <p:cNvPr id="65" name="직선 연결선 64"/>
+            <p:cNvCxnSpPr>
+              <a:endCxn id="64" idx="5"/>
+            </p:cNvCxnSpPr>
+            <p:nvPr/>
+          </p:nvCxnSpPr>
+          <p:spPr>
+            <a:xfrm flipH="1" flipV="1">
+              <a:off x="5982459" y="2299354"/>
+              <a:ext cx="247653" cy="212198"/>
+            </a:xfrm>
+            <a:prstGeom prst="line">
+              <a:avLst/>
+            </a:prstGeom>
+            <a:ln w="38100">
+              <a:headEnd type="stealth" w="lg" len="lg"/>
+            </a:ln>
+          </p:spPr>
+          <p:style>
+            <a:lnRef idx="1">
+              <a:schemeClr val="accent1"/>
+            </a:lnRef>
+            <a:fillRef idx="0">
+              <a:schemeClr val="accent1"/>
+            </a:fillRef>
+            <a:effectRef idx="0">
+              <a:schemeClr val="accent1"/>
+            </a:effectRef>
+            <a:fontRef idx="minor">
+              <a:schemeClr val="tx1"/>
+            </a:fontRef>
+          </p:style>
+        </p:cxnSp>
+      </p:grpSp>
+      <p:sp>
+        <p:nvSpPr>
+          <p:cNvPr id="67" name="TextBox 66"/>
+          <p:cNvSpPr txBox="1"/>
+          <p:nvPr/>
+        </p:nvSpPr>
+        <p:spPr>
+          <a:xfrm rot="19892451">
+            <a:off x="20175502" y="15179664"/>
+            <a:ext cx="1063112" cy="430887"/>
+          </a:xfrm>
+          <a:prstGeom prst="rect">
+            <a:avLst/>
+          </a:prstGeom>
+          <a:noFill/>
+        </p:spPr>
+        <p:txBody>
+          <a:bodyPr wrap="none" rtlCol="0">
+            <a:spAutoFit/>
+          </a:bodyPr>
+          <a:lstStyle/>
+          <a:p>
+            <a:pPr algn="ctr"/>
+            <a:r>
+              <a:rPr lang="ko-KR" altLang="en-US" sz="1100" dirty="0" smtClean="0"/>
+              <a:t>등록할</a:t>
+            </a:r>
+            <a:endParaRPr lang="en-US" altLang="ko-KR" sz="1100" dirty="0" smtClean="0"/>
+          </a:p>
+          <a:p>
+            <a:pPr algn="ctr"/>
+            <a:r>
+              <a:rPr lang="ko-KR" altLang="en-US" sz="1100" dirty="0" smtClean="0"/>
+              <a:t>강의평가 </a:t>
+            </a:r>
+            <a:r>
+              <a:rPr lang="ko-KR" altLang="en-US" sz="1100" dirty="0"/>
+              <a:t>결과</a:t>
+            </a:r>
+          </a:p>
+        </p:txBody>
+      </p:sp>
+      <p:grpSp>
+        <p:nvGrpSpPr>
+          <p:cNvPr id="68" name="그룹 67"/>
+          <p:cNvGrpSpPr/>
+          <p:nvPr/>
+        </p:nvGrpSpPr>
+        <p:grpSpPr>
+          <a:xfrm rot="17524257">
+            <a:off x="20174751" y="14794076"/>
+            <a:ext cx="620391" cy="573119"/>
+            <a:chOff x="5764817" y="2081712"/>
+            <a:chExt cx="465295" cy="429840"/>
+          </a:xfrm>
+        </p:grpSpPr>
+        <p:sp>
+          <p:nvSpPr>
+            <p:cNvPr id="69" name="타원 68"/>
+            <p:cNvSpPr/>
+            <p:nvPr/>
+          </p:nvSpPr>
+          <p:spPr>
+            <a:xfrm>
+              <a:off x="5764817" y="2081712"/>
+              <a:ext cx="254984" cy="254984"/>
+            </a:xfrm>
+            <a:prstGeom prst="ellipse">
+              <a:avLst/>
+            </a:prstGeom>
+            <a:noFill/>
+            <a:ln w="38100">
+              <a:solidFill>
+                <a:schemeClr val="accent1"/>
+              </a:solidFill>
+            </a:ln>
+          </p:spPr>
+          <p:style>
+            <a:lnRef idx="2">
+              <a:schemeClr val="accent1">
+                <a:shade val="50000"/>
+              </a:schemeClr>
+            </a:lnRef>
+            <a:fillRef idx="1">
+              <a:schemeClr val="accent1"/>
+            </a:fillRef>
+            <a:effectRef idx="0">
+              <a:schemeClr val="accent1"/>
+            </a:effectRef>
+            <a:fontRef idx="minor">
+              <a:schemeClr val="lt1"/>
+            </a:fontRef>
+          </p:style>
+          <p:txBody>
+            <a:bodyPr rtlCol="0" anchor="ctr"/>
+            <a:lstStyle/>
+            <a:p>
+              <a:pPr algn="ctr"/>
+              <a:endParaRPr lang="ko-KR" altLang="en-US" sz="700"/>
+            </a:p>
+          </p:txBody>
+        </p:sp>
+        <p:cxnSp>
+          <p:nvCxnSpPr>
+            <p:cNvPr id="71" name="직선 연결선 70"/>
+            <p:cNvCxnSpPr>
+              <a:endCxn id="69" idx="5"/>
+            </p:cNvCxnSpPr>
+            <p:nvPr/>
+          </p:nvCxnSpPr>
+          <p:spPr>
+            <a:xfrm flipH="1" flipV="1">
+              <a:off x="5982459" y="2299354"/>
+              <a:ext cx="247653" cy="212198"/>
+            </a:xfrm>
+            <a:prstGeom prst="line">
+              <a:avLst/>
+            </a:prstGeom>
+            <a:ln w="38100">
+              <a:headEnd type="stealth" w="lg" len="lg"/>
+            </a:ln>
+          </p:spPr>
+          <p:style>
+            <a:lnRef idx="1">
+              <a:schemeClr val="accent1"/>
+            </a:lnRef>
+            <a:fillRef idx="0">
+              <a:schemeClr val="accent1"/>
+            </a:fillRef>
+            <a:effectRef idx="0">
+              <a:schemeClr val="accent1"/>
+            </a:effectRef>
+            <a:fontRef idx="minor">
+              <a:schemeClr val="tx1"/>
+            </a:fontRef>
+          </p:style>
+        </p:cxnSp>
+      </p:grpSp>
+      <p:sp>
+        <p:nvSpPr>
+          <p:cNvPr id="72" name="TextBox 71"/>
+          <p:cNvSpPr txBox="1"/>
+          <p:nvPr/>
+        </p:nvSpPr>
+        <p:spPr>
+          <a:xfrm rot="16200000">
+            <a:off x="21958281" y="14600291"/>
+            <a:ext cx="1063112" cy="430887"/>
+          </a:xfrm>
+          <a:prstGeom prst="rect">
+            <a:avLst/>
+          </a:prstGeom>
+          <a:noFill/>
+        </p:spPr>
+        <p:txBody>
+          <a:bodyPr wrap="none" rtlCol="0">
+            <a:spAutoFit/>
+          </a:bodyPr>
+          <a:lstStyle/>
+          <a:p>
+            <a:pPr algn="ctr"/>
+            <a:r>
+              <a:rPr lang="ko-KR" altLang="en-US" sz="1100" dirty="0" smtClean="0"/>
+              <a:t>등록할</a:t>
+            </a:r>
+            <a:endParaRPr lang="en-US" altLang="ko-KR" sz="1100" dirty="0" smtClean="0"/>
+          </a:p>
+          <a:p>
+            <a:pPr algn="ctr"/>
+            <a:r>
+              <a:rPr lang="ko-KR" altLang="en-US" sz="1100" dirty="0" smtClean="0"/>
+              <a:t>강의평가 </a:t>
+            </a:r>
+            <a:r>
+              <a:rPr lang="ko-KR" altLang="en-US" sz="1100" dirty="0"/>
+              <a:t>결과</a:t>
+            </a:r>
+          </a:p>
+        </p:txBody>
+      </p:sp>
+      <p:grpSp>
+        <p:nvGrpSpPr>
+          <p:cNvPr id="73" name="그룹 72"/>
+          <p:cNvGrpSpPr/>
+          <p:nvPr/>
+        </p:nvGrpSpPr>
+        <p:grpSpPr>
+          <a:xfrm rot="2931639">
+            <a:off x="22495314" y="14275166"/>
+            <a:ext cx="620391" cy="573119"/>
+            <a:chOff x="5764817" y="2081712"/>
+            <a:chExt cx="465295" cy="429840"/>
+          </a:xfrm>
+        </p:grpSpPr>
+        <p:sp>
+          <p:nvSpPr>
+            <p:cNvPr id="75" name="타원 74"/>
+            <p:cNvSpPr/>
+            <p:nvPr/>
+          </p:nvSpPr>
+          <p:spPr>
+            <a:xfrm>
+              <a:off x="5764817" y="2081712"/>
+              <a:ext cx="254984" cy="254984"/>
+            </a:xfrm>
+            <a:prstGeom prst="ellipse">
+              <a:avLst/>
+            </a:prstGeom>
+            <a:noFill/>
+            <a:ln w="38100">
+              <a:solidFill>
+                <a:schemeClr val="accent1"/>
+              </a:solidFill>
+            </a:ln>
+          </p:spPr>
+          <p:style>
+            <a:lnRef idx="2">
+              <a:schemeClr val="accent1">
+                <a:shade val="50000"/>
+              </a:schemeClr>
+            </a:lnRef>
+            <a:fillRef idx="1">
+              <a:schemeClr val="accent1"/>
+            </a:fillRef>
+            <a:effectRef idx="0">
+              <a:schemeClr val="accent1"/>
+            </a:effectRef>
+            <a:fontRef idx="minor">
+              <a:schemeClr val="lt1"/>
+            </a:fontRef>
+          </p:style>
+          <p:txBody>
+            <a:bodyPr rtlCol="0" anchor="ctr"/>
+            <a:lstStyle/>
+            <a:p>
+              <a:pPr algn="ctr"/>
+              <a:endParaRPr lang="ko-KR" altLang="en-US" sz="700"/>
+            </a:p>
+          </p:txBody>
+        </p:sp>
+        <p:cxnSp>
+          <p:nvCxnSpPr>
+            <p:cNvPr id="76" name="직선 연결선 75"/>
+            <p:cNvCxnSpPr>
+              <a:endCxn id="75" idx="5"/>
+            </p:cNvCxnSpPr>
+            <p:nvPr/>
+          </p:nvCxnSpPr>
+          <p:spPr>
+            <a:xfrm flipH="1" flipV="1">
+              <a:off x="5982459" y="2299354"/>
+              <a:ext cx="247653" cy="212198"/>
+            </a:xfrm>
+            <a:prstGeom prst="line">
+              <a:avLst/>
+            </a:prstGeom>
+            <a:ln w="38100">
+              <a:headEnd type="stealth" w="lg" len="lg"/>
+            </a:ln>
+          </p:spPr>
+          <p:style>
+            <a:lnRef idx="1">
+              <a:schemeClr val="accent1"/>
+            </a:lnRef>
+            <a:fillRef idx="0">
+              <a:schemeClr val="accent1"/>
+            </a:fillRef>
+            <a:effectRef idx="0">
+              <a:schemeClr val="accent1"/>
+            </a:effectRef>
+            <a:fontRef idx="minor">
+              <a:schemeClr val="tx1"/>
+            </a:fontRef>
+          </p:style>
+        </p:cxnSp>
+      </p:grpSp>
+      <p:sp>
+        <p:nvSpPr>
+          <p:cNvPr id="78" name="TextBox 77"/>
+          <p:cNvSpPr txBox="1"/>
+          <p:nvPr/>
+        </p:nvSpPr>
+        <p:spPr>
+          <a:xfrm rot="1684139">
+            <a:off x="24044502" y="14780709"/>
+            <a:ext cx="922047" cy="430887"/>
+          </a:xfrm>
+          <a:prstGeom prst="rect">
+            <a:avLst/>
+          </a:prstGeom>
+          <a:noFill/>
+        </p:spPr>
+        <p:txBody>
+          <a:bodyPr wrap="none" rtlCol="0">
+            <a:spAutoFit/>
+          </a:bodyPr>
+          <a:lstStyle/>
+          <a:p>
+            <a:pPr algn="ctr"/>
+            <a:r>
+              <a:rPr lang="ko-KR" altLang="en-US" sz="1100" dirty="0" smtClean="0"/>
+              <a:t>강의평가</a:t>
+            </a:r>
+            <a:endParaRPr lang="en-US" altLang="ko-KR" sz="1100" dirty="0" smtClean="0"/>
+          </a:p>
+          <a:p>
+            <a:pPr algn="ctr"/>
+            <a:r>
+              <a:rPr lang="ko-KR" altLang="en-US" sz="1100" dirty="0" smtClean="0"/>
+              <a:t>질문 </a:t>
+            </a:r>
+            <a:r>
+              <a:rPr lang="ko-KR" altLang="en-US" sz="1100" dirty="0"/>
+              <a:t>리스트</a:t>
+            </a:r>
+          </a:p>
+        </p:txBody>
+      </p:sp>
+      <p:grpSp>
+        <p:nvGrpSpPr>
+          <p:cNvPr id="79" name="그룹 78"/>
+          <p:cNvGrpSpPr/>
+          <p:nvPr/>
+        </p:nvGrpSpPr>
+        <p:grpSpPr>
+          <a:xfrm rot="20788057">
+            <a:off x="24499069" y="14422802"/>
+            <a:ext cx="620391" cy="573119"/>
+            <a:chOff x="5764817" y="2081712"/>
+            <a:chExt cx="465295" cy="429840"/>
+          </a:xfrm>
+        </p:grpSpPr>
+        <p:sp>
+          <p:nvSpPr>
+            <p:cNvPr id="80" name="타원 79"/>
+            <p:cNvSpPr/>
+            <p:nvPr/>
+          </p:nvSpPr>
+          <p:spPr>
+            <a:xfrm>
+              <a:off x="5764817" y="2081712"/>
+              <a:ext cx="254984" cy="254984"/>
+            </a:xfrm>
+            <a:prstGeom prst="ellipse">
+              <a:avLst/>
+            </a:prstGeom>
+            <a:noFill/>
+            <a:ln w="38100">
+              <a:solidFill>
+                <a:schemeClr val="accent1"/>
+              </a:solidFill>
+            </a:ln>
+          </p:spPr>
+          <p:style>
+            <a:lnRef idx="2">
+              <a:schemeClr val="accent1">
+                <a:shade val="50000"/>
+              </a:schemeClr>
+            </a:lnRef>
+            <a:fillRef idx="1">
+              <a:schemeClr val="accent1"/>
+            </a:fillRef>
+            <a:effectRef idx="0">
+              <a:schemeClr val="accent1"/>
+            </a:effectRef>
+            <a:fontRef idx="minor">
+              <a:schemeClr val="lt1"/>
+            </a:fontRef>
+          </p:style>
+          <p:txBody>
+            <a:bodyPr rtlCol="0" anchor="ctr"/>
+            <a:lstStyle/>
+            <a:p>
+              <a:pPr algn="ctr"/>
+              <a:endParaRPr lang="ko-KR" altLang="en-US" sz="700"/>
+            </a:p>
+          </p:txBody>
+        </p:sp>
+        <p:cxnSp>
+          <p:nvCxnSpPr>
+            <p:cNvPr id="81" name="직선 연결선 80"/>
+            <p:cNvCxnSpPr>
+              <a:endCxn id="80" idx="5"/>
+            </p:cNvCxnSpPr>
+            <p:nvPr/>
+          </p:nvCxnSpPr>
+          <p:spPr>
+            <a:xfrm flipH="1" flipV="1">
+              <a:off x="5982459" y="2299354"/>
+              <a:ext cx="247653" cy="212198"/>
+            </a:xfrm>
+            <a:prstGeom prst="line">
+              <a:avLst/>
+            </a:prstGeom>
+            <a:ln w="38100">
+              <a:headEnd type="stealth" w="lg" len="lg"/>
+            </a:ln>
+          </p:spPr>
+          <p:style>
+            <a:lnRef idx="1">
+              <a:schemeClr val="accent1"/>
+            </a:lnRef>
+            <a:fillRef idx="0">
+              <a:schemeClr val="accent1"/>
+            </a:fillRef>
+            <a:effectRef idx="0">
+              <a:schemeClr val="accent1"/>
+            </a:effectRef>
+            <a:fontRef idx="minor">
+              <a:schemeClr val="tx1"/>
+            </a:fontRef>
+          </p:style>
+        </p:cxnSp>
+      </p:grpSp>
+      <p:sp>
+        <p:nvSpPr>
+          <p:cNvPr id="82" name="TextBox 81"/>
+          <p:cNvSpPr txBox="1"/>
+          <p:nvPr/>
+        </p:nvSpPr>
+        <p:spPr>
+          <a:xfrm rot="16200000">
+            <a:off x="25643289" y="17553005"/>
+            <a:ext cx="922047" cy="430887"/>
+          </a:xfrm>
+          <a:prstGeom prst="rect">
+            <a:avLst/>
+          </a:prstGeom>
+          <a:noFill/>
+        </p:spPr>
+        <p:txBody>
+          <a:bodyPr wrap="none" rtlCol="0">
+            <a:spAutoFit/>
+          </a:bodyPr>
+          <a:lstStyle/>
+          <a:p>
+            <a:pPr algn="ctr"/>
+            <a:r>
+              <a:rPr lang="ko-KR" altLang="en-US" sz="1100" dirty="0" smtClean="0"/>
+              <a:t>강의평가</a:t>
+            </a:r>
+            <a:endParaRPr lang="en-US" altLang="ko-KR" sz="1100" dirty="0" smtClean="0"/>
+          </a:p>
+          <a:p>
+            <a:pPr algn="ctr"/>
+            <a:r>
+              <a:rPr lang="ko-KR" altLang="en-US" sz="1100" dirty="0" smtClean="0"/>
+              <a:t>질문 </a:t>
+            </a:r>
+            <a:r>
+              <a:rPr lang="ko-KR" altLang="en-US" sz="1100" dirty="0"/>
+              <a:t>리스트</a:t>
+            </a:r>
+          </a:p>
+        </p:txBody>
+      </p:sp>
+      <p:grpSp>
+        <p:nvGrpSpPr>
+          <p:cNvPr id="83" name="그룹 82"/>
+          <p:cNvGrpSpPr/>
+          <p:nvPr/>
+        </p:nvGrpSpPr>
+        <p:grpSpPr>
+          <a:xfrm rot="2903918">
+            <a:off x="26237129" y="17508780"/>
+            <a:ext cx="620391" cy="573119"/>
+            <a:chOff x="5764817" y="2081712"/>
+            <a:chExt cx="465295" cy="429840"/>
+          </a:xfrm>
+        </p:grpSpPr>
+        <p:sp>
+          <p:nvSpPr>
+            <p:cNvPr id="84" name="타원 83"/>
+            <p:cNvSpPr/>
+            <p:nvPr/>
+          </p:nvSpPr>
+          <p:spPr>
+            <a:xfrm>
+              <a:off x="5764817" y="2081712"/>
+              <a:ext cx="254984" cy="254984"/>
+            </a:xfrm>
+            <a:prstGeom prst="ellipse">
+              <a:avLst/>
+            </a:prstGeom>
+            <a:noFill/>
+            <a:ln w="38100">
+              <a:solidFill>
+                <a:schemeClr val="accent1"/>
+              </a:solidFill>
+            </a:ln>
+          </p:spPr>
+          <p:style>
+            <a:lnRef idx="2">
+              <a:schemeClr val="accent1">
+                <a:shade val="50000"/>
+              </a:schemeClr>
+            </a:lnRef>
+            <a:fillRef idx="1">
+              <a:schemeClr val="accent1"/>
+            </a:fillRef>
+            <a:effectRef idx="0">
+              <a:schemeClr val="accent1"/>
+            </a:effectRef>
+            <a:fontRef idx="minor">
+              <a:schemeClr val="lt1"/>
+            </a:fontRef>
+          </p:style>
+          <p:txBody>
+            <a:bodyPr rtlCol="0" anchor="ctr"/>
+            <a:lstStyle/>
+            <a:p>
+              <a:pPr algn="ctr"/>
+              <a:endParaRPr lang="ko-KR" altLang="en-US" sz="700"/>
+            </a:p>
+          </p:txBody>
+        </p:sp>
+        <p:cxnSp>
+          <p:nvCxnSpPr>
+            <p:cNvPr id="85" name="직선 연결선 84"/>
+            <p:cNvCxnSpPr>
+              <a:endCxn id="84" idx="5"/>
+            </p:cNvCxnSpPr>
+            <p:nvPr/>
+          </p:nvCxnSpPr>
+          <p:spPr>
+            <a:xfrm flipH="1" flipV="1">
+              <a:off x="5982459" y="2299354"/>
+              <a:ext cx="247653" cy="212198"/>
+            </a:xfrm>
+            <a:prstGeom prst="line">
+              <a:avLst/>
+            </a:prstGeom>
+            <a:ln w="38100">
+              <a:headEnd type="stealth" w="lg" len="lg"/>
+            </a:ln>
+          </p:spPr>
+          <p:style>
+            <a:lnRef idx="1">
+              <a:schemeClr val="accent1"/>
+            </a:lnRef>
+            <a:fillRef idx="0">
+              <a:schemeClr val="accent1"/>
+            </a:fillRef>
+            <a:effectRef idx="0">
+              <a:schemeClr val="accent1"/>
+            </a:effectRef>
+            <a:fontRef idx="minor">
+              <a:schemeClr val="tx1"/>
+            </a:fontRef>
+          </p:style>
+        </p:cxnSp>
+      </p:grpSp>
     </p:spTree>
     <p:extLst>
       <p:ext uri="{BB962C8B-B14F-4D97-AF65-F5344CB8AC3E}">

--- a/SDD 관련 자료/작업 결과물/프로그램 구조도(트랜스폼, 트랜젝션)/강의평가 수행.pptx
+++ b/SDD 관련 자료/작업 결과물/프로그램 구조도(트랜스폼, 트랜젝션)/강의평가 수행.pptx
@@ -3136,43 +3136,6 @@
       </p:cxnSp>
       <p:cxnSp>
         <p:nvCxnSpPr>
-          <p:cNvPr id="7" name="직선 화살표 연결선 6"/>
-          <p:cNvCxnSpPr>
-            <a:stCxn id="45" idx="2"/>
-            <a:endCxn id="66" idx="0"/>
-          </p:cNvCxnSpPr>
-          <p:nvPr/>
-        </p:nvCxnSpPr>
-        <p:spPr>
-          <a:xfrm>
-            <a:off x="23002852" y="16483068"/>
-            <a:ext cx="1612877" cy="2589998"/>
-          </a:xfrm>
-          <a:prstGeom prst="straightConnector1">
-            <a:avLst/>
-          </a:prstGeom>
-          <a:ln w="38100">
-            <a:headEnd w="lg" len="lg"/>
-            <a:tailEnd type="triangle"/>
-          </a:ln>
-        </p:spPr>
-        <p:style>
-          <a:lnRef idx="1">
-            <a:schemeClr val="accent1"/>
-          </a:lnRef>
-          <a:fillRef idx="0">
-            <a:schemeClr val="accent1"/>
-          </a:fillRef>
-          <a:effectRef idx="0">
-            <a:schemeClr val="accent1"/>
-          </a:effectRef>
-          <a:fontRef idx="minor">
-            <a:schemeClr val="tx1"/>
-          </a:fontRef>
-        </p:style>
-      </p:cxnSp>
-      <p:cxnSp>
-        <p:nvCxnSpPr>
           <p:cNvPr id="8" name="직선 화살표 연결선 7"/>
           <p:cNvCxnSpPr>
             <a:endCxn id="70" idx="0"/>
@@ -3667,84 +3630,6 @@
           </a:fontRef>
         </p:style>
       </p:cxnSp>
-      <p:sp>
-        <p:nvSpPr>
-          <p:cNvPr id="66" name="직사각형 65"/>
-          <p:cNvSpPr/>
-          <p:nvPr/>
-        </p:nvSpPr>
-        <p:spPr>
-          <a:xfrm>
-            <a:off x="23959874" y="19073066"/>
-            <a:ext cx="1311710" cy="968175"/>
-          </a:xfrm>
-          <a:prstGeom prst="rect">
-            <a:avLst/>
-          </a:prstGeom>
-          <a:noFill/>
-          <a:ln w="31750">
-            <a:solidFill>
-              <a:schemeClr val="accent1">
-                <a:shade val="50000"/>
-              </a:schemeClr>
-            </a:solidFill>
-          </a:ln>
-        </p:spPr>
-        <p:style>
-          <a:lnRef idx="2">
-            <a:schemeClr val="accent1">
-              <a:shade val="50000"/>
-            </a:schemeClr>
-          </a:lnRef>
-          <a:fillRef idx="1">
-            <a:schemeClr val="accent1"/>
-          </a:fillRef>
-          <a:effectRef idx="0">
-            <a:schemeClr val="accent1"/>
-          </a:effectRef>
-          <a:fontRef idx="minor">
-            <a:schemeClr val="lt1"/>
-          </a:fontRef>
-        </p:style>
-        <p:txBody>
-          <a:bodyPr rtlCol="0" anchor="ctr"/>
-          <a:lstStyle/>
-          <a:p>
-            <a:pPr algn="ctr"/>
-            <a:r>
-              <a:rPr lang="ko-KR" altLang="en-US" sz="1100" dirty="0">
-                <a:solidFill>
-                  <a:schemeClr val="tx1"/>
-                </a:solidFill>
-              </a:rPr>
-              <a:t>강의 평가 결과</a:t>
-            </a:r>
-            <a:r>
-              <a:rPr lang="en-US" altLang="ko-KR" sz="1100" dirty="0">
-                <a:solidFill>
-                  <a:schemeClr val="tx1"/>
-                </a:solidFill>
-              </a:rPr>
-              <a:t/>
-            </a:r>
-            <a:br>
-              <a:rPr lang="en-US" altLang="ko-KR" sz="1100" dirty="0">
-                <a:solidFill>
-                  <a:schemeClr val="tx1"/>
-                </a:solidFill>
-              </a:rPr>
-            </a:br>
-            <a:r>
-              <a:rPr lang="ko-KR" altLang="en-US" sz="1100" dirty="0">
-                <a:solidFill>
-                  <a:schemeClr val="tx1"/>
-                </a:solidFill>
-              </a:rPr>
-              <a:t>정보 저장</a:t>
-            </a:r>
-          </a:p>
-        </p:txBody>
-      </p:sp>
       <p:sp>
         <p:nvSpPr>
           <p:cNvPr id="70" name="직사각형 69"/>
@@ -3992,131 +3877,6 @@
           </p:style>
         </p:cxnSp>
       </p:grpSp>
-      <p:grpSp>
-        <p:nvGrpSpPr>
-          <p:cNvPr id="27" name="그룹 26"/>
-          <p:cNvGrpSpPr/>
-          <p:nvPr/>
-        </p:nvGrpSpPr>
-        <p:grpSpPr>
-          <a:xfrm rot="13699943">
-            <a:off x="22877603" y="17798056"/>
-            <a:ext cx="620391" cy="573119"/>
-            <a:chOff x="5764817" y="2081712"/>
-            <a:chExt cx="465295" cy="429840"/>
-          </a:xfrm>
-        </p:grpSpPr>
-        <p:sp>
-          <p:nvSpPr>
-            <p:cNvPr id="28" name="타원 27"/>
-            <p:cNvSpPr/>
-            <p:nvPr/>
-          </p:nvSpPr>
-          <p:spPr>
-            <a:xfrm>
-              <a:off x="5764817" y="2081712"/>
-              <a:ext cx="254984" cy="254984"/>
-            </a:xfrm>
-            <a:prstGeom prst="ellipse">
-              <a:avLst/>
-            </a:prstGeom>
-            <a:noFill/>
-            <a:ln w="38100">
-              <a:solidFill>
-                <a:schemeClr val="accent1"/>
-              </a:solidFill>
-            </a:ln>
-          </p:spPr>
-          <p:style>
-            <a:lnRef idx="2">
-              <a:schemeClr val="accent1">
-                <a:shade val="50000"/>
-              </a:schemeClr>
-            </a:lnRef>
-            <a:fillRef idx="1">
-              <a:schemeClr val="accent1"/>
-            </a:fillRef>
-            <a:effectRef idx="0">
-              <a:schemeClr val="accent1"/>
-            </a:effectRef>
-            <a:fontRef idx="minor">
-              <a:schemeClr val="lt1"/>
-            </a:fontRef>
-          </p:style>
-          <p:txBody>
-            <a:bodyPr rtlCol="0" anchor="ctr"/>
-            <a:lstStyle/>
-            <a:p>
-              <a:pPr algn="ctr"/>
-              <a:endParaRPr lang="ko-KR" altLang="en-US" sz="700"/>
-            </a:p>
-          </p:txBody>
-        </p:sp>
-        <p:cxnSp>
-          <p:nvCxnSpPr>
-            <p:cNvPr id="30" name="직선 연결선 29"/>
-            <p:cNvCxnSpPr>
-              <a:endCxn id="28" idx="5"/>
-            </p:cNvCxnSpPr>
-            <p:nvPr/>
-          </p:nvCxnSpPr>
-          <p:spPr>
-            <a:xfrm flipH="1" flipV="1">
-              <a:off x="5982459" y="2299354"/>
-              <a:ext cx="247653" cy="212198"/>
-            </a:xfrm>
-            <a:prstGeom prst="line">
-              <a:avLst/>
-            </a:prstGeom>
-            <a:ln w="38100">
-              <a:headEnd type="stealth" w="lg" len="lg"/>
-            </a:ln>
-          </p:spPr>
-          <p:style>
-            <a:lnRef idx="1">
-              <a:schemeClr val="accent1"/>
-            </a:lnRef>
-            <a:fillRef idx="0">
-              <a:schemeClr val="accent1"/>
-            </a:fillRef>
-            <a:effectRef idx="0">
-              <a:schemeClr val="accent1"/>
-            </a:effectRef>
-            <a:fontRef idx="minor">
-              <a:schemeClr val="tx1"/>
-            </a:fontRef>
-          </p:style>
-        </p:cxnSp>
-      </p:grpSp>
-      <p:sp>
-        <p:nvSpPr>
-          <p:cNvPr id="31" name="TextBox 30"/>
-          <p:cNvSpPr txBox="1"/>
-          <p:nvPr/>
-        </p:nvSpPr>
-        <p:spPr>
-          <a:xfrm rot="5250135">
-            <a:off x="22711057" y="18035713"/>
-            <a:ext cx="1518364" cy="261610"/>
-          </a:xfrm>
-          <a:prstGeom prst="rect">
-            <a:avLst/>
-          </a:prstGeom>
-          <a:noFill/>
-        </p:spPr>
-        <p:txBody>
-          <a:bodyPr wrap="none" rtlCol="0">
-            <a:spAutoFit/>
-          </a:bodyPr>
-          <a:lstStyle/>
-          <a:p>
-            <a:r>
-              <a:rPr lang="ko-KR" altLang="en-US" sz="1100" dirty="0"/>
-              <a:t>등록된 강의평가 결과</a:t>
-            </a:r>
-          </a:p>
-        </p:txBody>
-      </p:sp>
       <p:sp>
         <p:nvSpPr>
           <p:cNvPr id="32" name="TextBox 31"/>
@@ -4301,7 +4061,7 @@
         </p:nvGrpSpPr>
         <p:grpSpPr>
           <a:xfrm rot="2765862">
-            <a:off x="22314865" y="17548609"/>
+            <a:off x="22432720" y="17606120"/>
             <a:ext cx="620391" cy="573119"/>
             <a:chOff x="5764817" y="2081712"/>
             <a:chExt cx="465295" cy="429840"/>
@@ -4397,7 +4157,7 @@
         </p:nvSpPr>
         <p:spPr>
           <a:xfrm rot="16721273">
-            <a:off x="21669383" y="17627401"/>
+            <a:off x="21787238" y="17684912"/>
             <a:ext cx="1063112" cy="430887"/>
           </a:xfrm>
           <a:prstGeom prst="rect">
@@ -4552,131 +4312,6 @@
           </p:style>
         </p:cxnSp>
       </p:grpSp>
-      <p:grpSp>
-        <p:nvGrpSpPr>
-          <p:cNvPr id="49" name="그룹 48"/>
-          <p:cNvGrpSpPr/>
-          <p:nvPr/>
-        </p:nvGrpSpPr>
-        <p:grpSpPr>
-          <a:xfrm rot="1177887">
-            <a:off x="23919744" y="17646303"/>
-            <a:ext cx="620391" cy="573119"/>
-            <a:chOff x="5764817" y="2081712"/>
-            <a:chExt cx="465295" cy="429840"/>
-          </a:xfrm>
-        </p:grpSpPr>
-        <p:sp>
-          <p:nvSpPr>
-            <p:cNvPr id="51" name="타원 50"/>
-            <p:cNvSpPr/>
-            <p:nvPr/>
-          </p:nvSpPr>
-          <p:spPr>
-            <a:xfrm>
-              <a:off x="5764817" y="2081712"/>
-              <a:ext cx="254984" cy="254984"/>
-            </a:xfrm>
-            <a:prstGeom prst="ellipse">
-              <a:avLst/>
-            </a:prstGeom>
-            <a:noFill/>
-            <a:ln w="38100">
-              <a:solidFill>
-                <a:schemeClr val="accent1"/>
-              </a:solidFill>
-            </a:ln>
-          </p:spPr>
-          <p:style>
-            <a:lnRef idx="2">
-              <a:schemeClr val="accent1">
-                <a:shade val="50000"/>
-              </a:schemeClr>
-            </a:lnRef>
-            <a:fillRef idx="1">
-              <a:schemeClr val="accent1"/>
-            </a:fillRef>
-            <a:effectRef idx="0">
-              <a:schemeClr val="accent1"/>
-            </a:effectRef>
-            <a:fontRef idx="minor">
-              <a:schemeClr val="lt1"/>
-            </a:fontRef>
-          </p:style>
-          <p:txBody>
-            <a:bodyPr rtlCol="0" anchor="ctr"/>
-            <a:lstStyle/>
-            <a:p>
-              <a:pPr algn="ctr"/>
-              <a:endParaRPr lang="ko-KR" altLang="en-US" sz="700"/>
-            </a:p>
-          </p:txBody>
-        </p:sp>
-        <p:cxnSp>
-          <p:nvCxnSpPr>
-            <p:cNvPr id="52" name="직선 연결선 51"/>
-            <p:cNvCxnSpPr>
-              <a:endCxn id="51" idx="5"/>
-            </p:cNvCxnSpPr>
-            <p:nvPr/>
-          </p:nvCxnSpPr>
-          <p:spPr>
-            <a:xfrm flipH="1" flipV="1">
-              <a:off x="5982459" y="2299354"/>
-              <a:ext cx="247653" cy="212198"/>
-            </a:xfrm>
-            <a:prstGeom prst="line">
-              <a:avLst/>
-            </a:prstGeom>
-            <a:ln w="38100">
-              <a:headEnd type="stealth" w="lg" len="lg"/>
-            </a:ln>
-          </p:spPr>
-          <p:style>
-            <a:lnRef idx="1">
-              <a:schemeClr val="accent1"/>
-            </a:lnRef>
-            <a:fillRef idx="0">
-              <a:schemeClr val="accent1"/>
-            </a:fillRef>
-            <a:effectRef idx="0">
-              <a:schemeClr val="accent1"/>
-            </a:effectRef>
-            <a:fontRef idx="minor">
-              <a:schemeClr val="tx1"/>
-            </a:fontRef>
-          </p:style>
-        </p:cxnSp>
-      </p:grpSp>
-      <p:sp>
-        <p:nvSpPr>
-          <p:cNvPr id="53" name="TextBox 52"/>
-          <p:cNvSpPr txBox="1"/>
-          <p:nvPr/>
-        </p:nvSpPr>
-        <p:spPr>
-          <a:xfrm rot="3577239">
-            <a:off x="23842751" y="17701116"/>
-            <a:ext cx="1518364" cy="261610"/>
-          </a:xfrm>
-          <a:prstGeom prst="rect">
-            <a:avLst/>
-          </a:prstGeom>
-          <a:noFill/>
-        </p:spPr>
-        <p:txBody>
-          <a:bodyPr wrap="none" rtlCol="0">
-            <a:spAutoFit/>
-          </a:bodyPr>
-          <a:lstStyle/>
-          <a:p>
-            <a:r>
-              <a:rPr lang="ko-KR" altLang="en-US" sz="1100" dirty="0"/>
-              <a:t>등록된 강의평가 결과</a:t>
-            </a:r>
-          </a:p>
-        </p:txBody>
-      </p:sp>
       <p:sp>
         <p:nvSpPr>
           <p:cNvPr id="54" name="직사각형 53"/>

--- a/SDD 관련 자료/작업 결과물/프로그램 구조도(트랜스폼, 트랜젝션)/강의평가 수행.pptx
+++ b/SDD 관련 자료/작업 결과물/프로그램 구조도(트랜스폼, 트랜젝션)/강의평가 수행.pptx
@@ -243,7 +243,7 @@
           <a:p>
             <a:fld id="{FEB97611-7D34-4565-8BE2-EC668B9DC89E}" type="datetimeFigureOut">
               <a:rPr lang="ko-KR" altLang="en-US" smtClean="0"/>
-              <a:t>2016-05-31</a:t>
+              <a:t>2016-06-01</a:t>
             </a:fld>
             <a:endParaRPr lang="ko-KR" altLang="en-US"/>
           </a:p>
@@ -413,7 +413,7 @@
           <a:p>
             <a:fld id="{FEB97611-7D34-4565-8BE2-EC668B9DC89E}" type="datetimeFigureOut">
               <a:rPr lang="ko-KR" altLang="en-US" smtClean="0"/>
-              <a:t>2016-05-31</a:t>
+              <a:t>2016-06-01</a:t>
             </a:fld>
             <a:endParaRPr lang="ko-KR" altLang="en-US"/>
           </a:p>
@@ -593,7 +593,7 @@
           <a:p>
             <a:fld id="{FEB97611-7D34-4565-8BE2-EC668B9DC89E}" type="datetimeFigureOut">
               <a:rPr lang="ko-KR" altLang="en-US" smtClean="0"/>
-              <a:t>2016-05-31</a:t>
+              <a:t>2016-06-01</a:t>
             </a:fld>
             <a:endParaRPr lang="ko-KR" altLang="en-US"/>
           </a:p>
@@ -763,7 +763,7 @@
           <a:p>
             <a:fld id="{FEB97611-7D34-4565-8BE2-EC668B9DC89E}" type="datetimeFigureOut">
               <a:rPr lang="ko-KR" altLang="en-US" smtClean="0"/>
-              <a:t>2016-05-31</a:t>
+              <a:t>2016-06-01</a:t>
             </a:fld>
             <a:endParaRPr lang="ko-KR" altLang="en-US"/>
           </a:p>
@@ -1007,7 +1007,7 @@
           <a:p>
             <a:fld id="{FEB97611-7D34-4565-8BE2-EC668B9DC89E}" type="datetimeFigureOut">
               <a:rPr lang="ko-KR" altLang="en-US" smtClean="0"/>
-              <a:t>2016-05-31</a:t>
+              <a:t>2016-06-01</a:t>
             </a:fld>
             <a:endParaRPr lang="ko-KR" altLang="en-US"/>
           </a:p>
@@ -1239,7 +1239,7 @@
           <a:p>
             <a:fld id="{FEB97611-7D34-4565-8BE2-EC668B9DC89E}" type="datetimeFigureOut">
               <a:rPr lang="ko-KR" altLang="en-US" smtClean="0"/>
-              <a:t>2016-05-31</a:t>
+              <a:t>2016-06-01</a:t>
             </a:fld>
             <a:endParaRPr lang="ko-KR" altLang="en-US"/>
           </a:p>
@@ -1606,7 +1606,7 @@
           <a:p>
             <a:fld id="{FEB97611-7D34-4565-8BE2-EC668B9DC89E}" type="datetimeFigureOut">
               <a:rPr lang="ko-KR" altLang="en-US" smtClean="0"/>
-              <a:t>2016-05-31</a:t>
+              <a:t>2016-06-01</a:t>
             </a:fld>
             <a:endParaRPr lang="ko-KR" altLang="en-US"/>
           </a:p>
@@ -1724,7 +1724,7 @@
           <a:p>
             <a:fld id="{FEB97611-7D34-4565-8BE2-EC668B9DC89E}" type="datetimeFigureOut">
               <a:rPr lang="ko-KR" altLang="en-US" smtClean="0"/>
-              <a:t>2016-05-31</a:t>
+              <a:t>2016-06-01</a:t>
             </a:fld>
             <a:endParaRPr lang="ko-KR" altLang="en-US"/>
           </a:p>
@@ -1819,7 +1819,7 @@
           <a:p>
             <a:fld id="{FEB97611-7D34-4565-8BE2-EC668B9DC89E}" type="datetimeFigureOut">
               <a:rPr lang="ko-KR" altLang="en-US" smtClean="0"/>
-              <a:t>2016-05-31</a:t>
+              <a:t>2016-06-01</a:t>
             </a:fld>
             <a:endParaRPr lang="ko-KR" altLang="en-US"/>
           </a:p>
@@ -2096,7 +2096,7 @@
           <a:p>
             <a:fld id="{FEB97611-7D34-4565-8BE2-EC668B9DC89E}" type="datetimeFigureOut">
               <a:rPr lang="ko-KR" altLang="en-US" smtClean="0"/>
-              <a:t>2016-05-31</a:t>
+              <a:t>2016-06-01</a:t>
             </a:fld>
             <a:endParaRPr lang="ko-KR" altLang="en-US"/>
           </a:p>
@@ -2353,7 +2353,7 @@
           <a:p>
             <a:fld id="{FEB97611-7D34-4565-8BE2-EC668B9DC89E}" type="datetimeFigureOut">
               <a:rPr lang="ko-KR" altLang="en-US" smtClean="0"/>
-              <a:t>2016-05-31</a:t>
+              <a:t>2016-06-01</a:t>
             </a:fld>
             <a:endParaRPr lang="ko-KR" altLang="en-US"/>
           </a:p>
@@ -2566,7 +2566,7 @@
           <a:p>
             <a:fld id="{FEB97611-7D34-4565-8BE2-EC668B9DC89E}" type="datetimeFigureOut">
               <a:rPr lang="ko-KR" altLang="en-US" smtClean="0"/>
-              <a:t>2016-05-31</a:t>
+              <a:t>2016-06-01</a:t>
             </a:fld>
             <a:endParaRPr lang="ko-KR" altLang="en-US"/>
           </a:p>
@@ -3138,14 +3138,15 @@
         <p:nvCxnSpPr>
           <p:cNvPr id="8" name="직선 화살표 연결선 7"/>
           <p:cNvCxnSpPr>
+            <a:stCxn id="45" idx="2"/>
             <a:endCxn id="70" idx="0"/>
           </p:cNvCxnSpPr>
           <p:nvPr/>
         </p:nvCxnSpPr>
         <p:spPr>
-          <a:xfrm flipH="1">
-            <a:off x="17012455" y="16442433"/>
-            <a:ext cx="1798703" cy="2630633"/>
+          <a:xfrm>
+            <a:off x="23002852" y="16483068"/>
+            <a:ext cx="1397475" cy="2589998"/>
           </a:xfrm>
           <a:prstGeom prst="straightConnector1">
             <a:avLst/>
@@ -3580,10 +3581,10 @@
             <a:r>
               <a:rPr lang="ko-KR" altLang="en-US" sz="1100" dirty="0" smtClean="0">
                 <a:solidFill>
-                  <a:schemeClr val="tx1"/>
+                  <a:sysClr val="windowText" lastClr="000000"/>
                 </a:solidFill>
               </a:rPr>
-              <a:t>처리</a:t>
+              <a:t>변환</a:t>
             </a:r>
             <a:endParaRPr lang="ko-KR" altLang="en-US" sz="1100" dirty="0">
               <a:solidFill>
@@ -3638,7 +3639,7 @@
         </p:nvSpPr>
         <p:spPr>
           <a:xfrm>
-            <a:off x="16354449" y="19073066"/>
+            <a:off x="23742321" y="19073066"/>
             <a:ext cx="1316012" cy="968175"/>
           </a:xfrm>
           <a:prstGeom prst="rect">
@@ -3884,8 +3885,8 @@
           <p:nvPr/>
         </p:nvSpPr>
         <p:spPr>
-          <a:xfrm rot="18709930">
-            <a:off x="17769965" y="18277634"/>
+          <a:xfrm rot="3456422">
+            <a:off x="23968873" y="17506604"/>
             <a:ext cx="922047" cy="430887"/>
           </a:xfrm>
           <a:prstGeom prst="rect">
@@ -3926,8 +3927,8 @@
           <p:nvPr/>
         </p:nvGrpSpPr>
         <p:grpSpPr>
-          <a:xfrm rot="15986055">
-            <a:off x="17683895" y="17828618"/>
+          <a:xfrm rot="11849937">
+            <a:off x="23710140" y="17516957"/>
             <a:ext cx="620391" cy="573119"/>
             <a:chOff x="5764817" y="2081712"/>
             <a:chExt cx="465295" cy="429840"/>

--- a/SDD 관련 자료/작업 결과물/프로그램 구조도(트랜스폼, 트랜젝션)/강의평가 수행.pptx
+++ b/SDD 관련 자료/작업 결과물/프로그램 구조도(트랜스폼, 트랜젝션)/강의평가 수행.pptx
@@ -243,7 +243,7 @@
           <a:p>
             <a:fld id="{FEB97611-7D34-4565-8BE2-EC668B9DC89E}" type="datetimeFigureOut">
               <a:rPr lang="ko-KR" altLang="en-US" smtClean="0"/>
-              <a:t>2016-05-31</a:t>
+              <a:t>2016-06-01</a:t>
             </a:fld>
             <a:endParaRPr lang="ko-KR" altLang="en-US"/>
           </a:p>
@@ -413,7 +413,7 @@
           <a:p>
             <a:fld id="{FEB97611-7D34-4565-8BE2-EC668B9DC89E}" type="datetimeFigureOut">
               <a:rPr lang="ko-KR" altLang="en-US" smtClean="0"/>
-              <a:t>2016-05-31</a:t>
+              <a:t>2016-06-01</a:t>
             </a:fld>
             <a:endParaRPr lang="ko-KR" altLang="en-US"/>
           </a:p>
@@ -593,7 +593,7 @@
           <a:p>
             <a:fld id="{FEB97611-7D34-4565-8BE2-EC668B9DC89E}" type="datetimeFigureOut">
               <a:rPr lang="ko-KR" altLang="en-US" smtClean="0"/>
-              <a:t>2016-05-31</a:t>
+              <a:t>2016-06-01</a:t>
             </a:fld>
             <a:endParaRPr lang="ko-KR" altLang="en-US"/>
           </a:p>
@@ -763,7 +763,7 @@
           <a:p>
             <a:fld id="{FEB97611-7D34-4565-8BE2-EC668B9DC89E}" type="datetimeFigureOut">
               <a:rPr lang="ko-KR" altLang="en-US" smtClean="0"/>
-              <a:t>2016-05-31</a:t>
+              <a:t>2016-06-01</a:t>
             </a:fld>
             <a:endParaRPr lang="ko-KR" altLang="en-US"/>
           </a:p>
@@ -1007,7 +1007,7 @@
           <a:p>
             <a:fld id="{FEB97611-7D34-4565-8BE2-EC668B9DC89E}" type="datetimeFigureOut">
               <a:rPr lang="ko-KR" altLang="en-US" smtClean="0"/>
-              <a:t>2016-05-31</a:t>
+              <a:t>2016-06-01</a:t>
             </a:fld>
             <a:endParaRPr lang="ko-KR" altLang="en-US"/>
           </a:p>
@@ -1239,7 +1239,7 @@
           <a:p>
             <a:fld id="{FEB97611-7D34-4565-8BE2-EC668B9DC89E}" type="datetimeFigureOut">
               <a:rPr lang="ko-KR" altLang="en-US" smtClean="0"/>
-              <a:t>2016-05-31</a:t>
+              <a:t>2016-06-01</a:t>
             </a:fld>
             <a:endParaRPr lang="ko-KR" altLang="en-US"/>
           </a:p>
@@ -1606,7 +1606,7 @@
           <a:p>
             <a:fld id="{FEB97611-7D34-4565-8BE2-EC668B9DC89E}" type="datetimeFigureOut">
               <a:rPr lang="ko-KR" altLang="en-US" smtClean="0"/>
-              <a:t>2016-05-31</a:t>
+              <a:t>2016-06-01</a:t>
             </a:fld>
             <a:endParaRPr lang="ko-KR" altLang="en-US"/>
           </a:p>
@@ -1724,7 +1724,7 @@
           <a:p>
             <a:fld id="{FEB97611-7D34-4565-8BE2-EC668B9DC89E}" type="datetimeFigureOut">
               <a:rPr lang="ko-KR" altLang="en-US" smtClean="0"/>
-              <a:t>2016-05-31</a:t>
+              <a:t>2016-06-01</a:t>
             </a:fld>
             <a:endParaRPr lang="ko-KR" altLang="en-US"/>
           </a:p>
@@ -1819,7 +1819,7 @@
           <a:p>
             <a:fld id="{FEB97611-7D34-4565-8BE2-EC668B9DC89E}" type="datetimeFigureOut">
               <a:rPr lang="ko-KR" altLang="en-US" smtClean="0"/>
-              <a:t>2016-05-31</a:t>
+              <a:t>2016-06-01</a:t>
             </a:fld>
             <a:endParaRPr lang="ko-KR" altLang="en-US"/>
           </a:p>
@@ -2096,7 +2096,7 @@
           <a:p>
             <a:fld id="{FEB97611-7D34-4565-8BE2-EC668B9DC89E}" type="datetimeFigureOut">
               <a:rPr lang="ko-KR" altLang="en-US" smtClean="0"/>
-              <a:t>2016-05-31</a:t>
+              <a:t>2016-06-01</a:t>
             </a:fld>
             <a:endParaRPr lang="ko-KR" altLang="en-US"/>
           </a:p>
@@ -2353,7 +2353,7 @@
           <a:p>
             <a:fld id="{FEB97611-7D34-4565-8BE2-EC668B9DC89E}" type="datetimeFigureOut">
               <a:rPr lang="ko-KR" altLang="en-US" smtClean="0"/>
-              <a:t>2016-05-31</a:t>
+              <a:t>2016-06-01</a:t>
             </a:fld>
             <a:endParaRPr lang="ko-KR" altLang="en-US"/>
           </a:p>
@@ -2566,7 +2566,7 @@
           <a:p>
             <a:fld id="{FEB97611-7D34-4565-8BE2-EC668B9DC89E}" type="datetimeFigureOut">
               <a:rPr lang="ko-KR" altLang="en-US" smtClean="0"/>
-              <a:t>2016-05-31</a:t>
+              <a:t>2016-06-01</a:t>
             </a:fld>
             <a:endParaRPr lang="ko-KR" altLang="en-US"/>
           </a:p>
@@ -3143,9 +3143,9 @@
           <p:nvPr/>
         </p:nvCxnSpPr>
         <p:spPr>
-          <a:xfrm flipH="1">
-            <a:off x="17012455" y="16442433"/>
-            <a:ext cx="1798703" cy="2630633"/>
+          <a:xfrm>
+            <a:off x="23415409" y="16499417"/>
+            <a:ext cx="1056916" cy="2558603"/>
           </a:xfrm>
           <a:prstGeom prst="straightConnector1">
             <a:avLst/>
@@ -3638,7 +3638,7 @@
         </p:nvSpPr>
         <p:spPr>
           <a:xfrm>
-            <a:off x="16354449" y="19073066"/>
+            <a:off x="23814319" y="19058020"/>
             <a:ext cx="1316012" cy="968175"/>
           </a:xfrm>
           <a:prstGeom prst="rect">
@@ -3884,8 +3884,8 @@
           <p:nvPr/>
         </p:nvSpPr>
         <p:spPr>
-          <a:xfrm rot="18709930">
-            <a:off x="17769965" y="18277634"/>
+          <a:xfrm rot="4054520">
+            <a:off x="24116838" y="17446298"/>
             <a:ext cx="922047" cy="430887"/>
           </a:xfrm>
           <a:prstGeom prst="rect">
@@ -3926,8 +3926,8 @@
           <p:nvPr/>
         </p:nvGrpSpPr>
         <p:grpSpPr>
-          <a:xfrm rot="15986055">
-            <a:off x="17683895" y="17828618"/>
+          <a:xfrm rot="12281779">
+            <a:off x="23903791" y="17445747"/>
             <a:ext cx="620391" cy="573119"/>
             <a:chOff x="5764817" y="2081712"/>
             <a:chExt cx="465295" cy="429840"/>
@@ -4440,8 +4440,8 @@
           <p:nvPr/>
         </p:nvSpPr>
         <p:spPr>
-          <a:xfrm rot="20084261">
-            <a:off x="21076511" y="14772313"/>
+          <a:xfrm rot="5400000">
+            <a:off x="23231567" y="14521429"/>
             <a:ext cx="922047" cy="430887"/>
           </a:xfrm>
           <a:prstGeom prst="rect">
@@ -4482,8 +4482,8 @@
           <p:nvPr/>
         </p:nvGrpSpPr>
         <p:grpSpPr>
-          <a:xfrm rot="17588179">
-            <a:off x="21052774" y="14344327"/>
+          <a:xfrm rot="13654026">
+            <a:off x="22937601" y="14411585"/>
             <a:ext cx="620391" cy="573119"/>
             <a:chOff x="5764817" y="2081712"/>
             <a:chExt cx="465295" cy="429840"/>
